--- a/PredpripravaObdelavaPodatkov_Delavnica.pptx
+++ b/PredpripravaObdelavaPodatkov_Delavnica.pptx
@@ -5,12 +5,17 @@
     <p:sldMasterId id="2147483683" r:id="rId1"/>
   </p:sldMasterIdLst>
   <p:notesMasterIdLst>
-    <p:notesMasterId r:id="rId5"/>
+    <p:notesMasterId r:id="rId10"/>
   </p:notesMasterIdLst>
   <p:sldIdLst>
     <p:sldId id="256" r:id="rId2"/>
     <p:sldId id="257" r:id="rId3"/>
-    <p:sldId id="263" r:id="rId4"/>
+    <p:sldId id="269" r:id="rId4"/>
+    <p:sldId id="268" r:id="rId5"/>
+    <p:sldId id="264" r:id="rId6"/>
+    <p:sldId id="265" r:id="rId7"/>
+    <p:sldId id="267" r:id="rId8"/>
+    <p:sldId id="263" r:id="rId9"/>
   </p:sldIdLst>
   <p:sldSz cx="9144000" cy="6858000" type="screen4x3"/>
   <p:notesSz cx="6858000" cy="9144000"/>
@@ -199,7 +204,7 @@
           <a:p>
             <a:fld id="{A004B0D9-9024-40B9-BE52-3303776FD3A8}" type="datetimeFigureOut">
               <a:rPr lang="en-US" smtClean="0"/>
-              <a:t>3/8/2018</a:t>
+              <a:t>3/12/2018</a:t>
             </a:fld>
             <a:endParaRPr lang="en-US"/>
           </a:p>
@@ -3301,11 +3306,7 @@
             </a:r>
             <a:r>
               <a:rPr lang="sl-SI" dirty="0" smtClean="0"/>
-              <a:t>					</a:t>
-            </a:r>
-            <a:r>
-              <a:rPr lang="sl-SI" dirty="0" smtClean="0"/>
-              <a:t>Delavnica</a:t>
+              <a:t>					Delavnica</a:t>
             </a:r>
             <a:endParaRPr lang="en-US" dirty="0"/>
           </a:p>
@@ -3364,6 +3365,13 @@
   <p:clrMapOvr>
     <a:masterClrMapping/>
   </p:clrMapOvr>
+  <p:timing>
+    <p:tnLst>
+      <p:par>
+        <p:cTn id="1" dur="indefinite" restart="never" nodeType="tmRoot"/>
+      </p:par>
+    </p:tnLst>
+  </p:timing>
 </p:sld>
 </file>
 
@@ -3420,7 +3428,7 @@
         <p:spPr/>
         <p:txBody>
           <a:bodyPr>
-            <a:normAutofit lnSpcReduction="10000"/>
+            <a:normAutofit fontScale="92500" lnSpcReduction="20000"/>
           </a:bodyPr>
           <a:lstStyle/>
           <a:p>
@@ -3433,30 +3441,55 @@
           <a:p>
             <a:r>
               <a:rPr lang="sl-SI" dirty="0" err="1" smtClean="0"/>
-              <a:t>Merging</a:t>
-            </a:r>
-            <a:r>
-              <a:rPr lang="sl-SI" dirty="0" smtClean="0"/>
-              <a:t> / </a:t>
-            </a:r>
-            <a:r>
-              <a:rPr lang="sl-SI" dirty="0" err="1" smtClean="0"/>
-              <a:t>Munging</a:t>
-            </a:r>
-            <a:r>
-              <a:rPr lang="sl-SI" dirty="0" smtClean="0"/>
-              <a:t> / </a:t>
-            </a:r>
-            <a:r>
-              <a:rPr lang="sl-SI" dirty="0" err="1" smtClean="0"/>
-              <a:t>wrangling</a:t>
+              <a:t>Uni</a:t>
+            </a:r>
+            <a:r>
+              <a:rPr lang="sl-SI" dirty="0" smtClean="0"/>
+              <a:t>/Bi-</a:t>
+            </a:r>
+            <a:r>
+              <a:rPr lang="sl-SI" dirty="0" err="1" smtClean="0"/>
+              <a:t>variate</a:t>
+            </a:r>
+            <a:r>
+              <a:rPr lang="sl-SI" dirty="0" smtClean="0"/>
+              <a:t> </a:t>
+            </a:r>
+            <a:r>
+              <a:rPr lang="sl-SI" dirty="0" err="1" smtClean="0"/>
+              <a:t>stats</a:t>
             </a:r>
             <a:endParaRPr lang="sl-SI" dirty="0" smtClean="0"/>
           </a:p>
           <a:p>
             <a:r>
-              <a:rPr lang="sl-SI" dirty="0" err="1" smtClean="0"/>
-              <a:t>Uni-variate</a:t>
+              <a:rPr lang="sl-SI" dirty="0" smtClean="0"/>
+              <a:t>NULL </a:t>
+            </a:r>
+            <a:r>
+              <a:rPr lang="sl-SI" dirty="0" err="1" smtClean="0"/>
+              <a:t>values</a:t>
+            </a:r>
+            <a:endParaRPr lang="sl-SI" dirty="0" smtClean="0"/>
+          </a:p>
+          <a:p>
+            <a:r>
+              <a:rPr lang="sl-SI" dirty="0" err="1" smtClean="0"/>
+              <a:t>Outliers</a:t>
+            </a:r>
+            <a:endParaRPr lang="sl-SI" dirty="0" smtClean="0"/>
+          </a:p>
+          <a:p>
+            <a:r>
+              <a:rPr lang="sl-SI" dirty="0" err="1" smtClean="0"/>
+              <a:t>Correlations</a:t>
+            </a:r>
+            <a:endParaRPr lang="sl-SI" dirty="0" smtClean="0"/>
+          </a:p>
+          <a:p>
+            <a:r>
+              <a:rPr lang="sl-SI" dirty="0" err="1" smtClean="0"/>
+              <a:t>Feature</a:t>
             </a:r>
             <a:r>
               <a:rPr lang="sl-SI" dirty="0" smtClean="0"/>
@@ -3464,41 +3497,7 @@
             </a:r>
             <a:r>
               <a:rPr lang="sl-SI" dirty="0" err="1" smtClean="0"/>
-              <a:t>stats</a:t>
-            </a:r>
-            <a:endParaRPr lang="sl-SI" dirty="0" smtClean="0"/>
-          </a:p>
-          <a:p>
-            <a:r>
-              <a:rPr lang="sl-SI" dirty="0" smtClean="0"/>
-              <a:t>Bi-</a:t>
-            </a:r>
-            <a:r>
-              <a:rPr lang="sl-SI" dirty="0" err="1" smtClean="0"/>
-              <a:t>variate</a:t>
-            </a:r>
-            <a:r>
-              <a:rPr lang="sl-SI" dirty="0" smtClean="0"/>
-              <a:t> </a:t>
-            </a:r>
-            <a:r>
-              <a:rPr lang="sl-SI" dirty="0" err="1" smtClean="0"/>
-              <a:t>stats</a:t>
-            </a:r>
-            <a:endParaRPr lang="sl-SI" dirty="0" smtClean="0"/>
-          </a:p>
-          <a:p>
-            <a:r>
-              <a:rPr lang="sl-SI" dirty="0" err="1" smtClean="0"/>
-              <a:t>Multi-variate</a:t>
-            </a:r>
-            <a:r>
-              <a:rPr lang="sl-SI" dirty="0" smtClean="0"/>
-              <a:t> </a:t>
-            </a:r>
-            <a:r>
-              <a:rPr lang="sl-SI" dirty="0" err="1" smtClean="0"/>
-              <a:t>stats</a:t>
+              <a:t>selections</a:t>
             </a:r>
             <a:endParaRPr lang="sl-SI" dirty="0" smtClean="0"/>
           </a:p>
@@ -3544,38 +3543,34 @@
           <a:p>
             <a:pPr lvl="1"/>
             <a:r>
-              <a:rPr lang="sl-SI" dirty="0" err="1" smtClean="0"/>
+              <a:rPr lang="sl-SI" strike="sngStrike" dirty="0" err="1" smtClean="0"/>
               <a:t>Python</a:t>
             </a:r>
             <a:r>
-              <a:rPr lang="sl-SI" dirty="0" smtClean="0"/>
+              <a:rPr lang="sl-SI" strike="sngStrike" dirty="0" smtClean="0"/>
               <a:t> / </a:t>
             </a:r>
             <a:r>
-              <a:rPr lang="sl-SI" dirty="0" err="1" smtClean="0"/>
-              <a:t>Sp</a:t>
-            </a:r>
-            <a:r>
-              <a:rPr lang="sl-SI" dirty="0" err="1" smtClean="0"/>
-              <a:t>yder</a:t>
-            </a:r>
-            <a:endParaRPr lang="sl-SI" dirty="0" smtClean="0"/>
+              <a:rPr lang="sl-SI" strike="sngStrike" dirty="0" err="1" smtClean="0"/>
+              <a:t>Spyder</a:t>
+            </a:r>
+            <a:endParaRPr lang="sl-SI" strike="sngStrike" dirty="0" smtClean="0"/>
           </a:p>
           <a:p>
             <a:pPr lvl="1"/>
             <a:r>
-              <a:rPr lang="sl-SI" dirty="0" err="1" smtClean="0"/>
+              <a:rPr lang="sl-SI" strike="sngStrike" dirty="0" err="1" smtClean="0"/>
               <a:t>Eggcel</a:t>
             </a:r>
             <a:r>
-              <a:rPr lang="sl-SI" dirty="0" smtClean="0"/>
+              <a:rPr lang="sl-SI" strike="sngStrike" dirty="0" smtClean="0"/>
               <a:t> / </a:t>
             </a:r>
             <a:r>
-              <a:rPr lang="sl-SI" dirty="0" err="1" smtClean="0"/>
+              <a:rPr lang="sl-SI" strike="sngStrike" dirty="0" err="1" smtClean="0"/>
               <a:t>Excell</a:t>
             </a:r>
-            <a:endParaRPr lang="sl-SI" dirty="0" smtClean="0"/>
+            <a:endParaRPr lang="sl-SI" strike="sngStrike" dirty="0" smtClean="0"/>
           </a:p>
           <a:p>
             <a:pPr marL="0" indent="0">
@@ -3630,10 +3625,1134 @@
   <p:clrMapOvr>
     <a:masterClrMapping/>
   </p:clrMapOvr>
+  <p:timing>
+    <p:tnLst>
+      <p:par>
+        <p:cTn id="1" dur="indefinite" restart="never" nodeType="tmRoot"/>
+      </p:par>
+    </p:tnLst>
+  </p:timing>
 </p:sld>
 </file>
 
 <file path=ppt/slides/slide3.xml><?xml version="1.0" encoding="utf-8"?>
+<p:sld xmlns:a="http://schemas.openxmlformats.org/drawingml/2006/main" xmlns:r="http://schemas.openxmlformats.org/officeDocument/2006/relationships" xmlns:p="http://schemas.openxmlformats.org/presentationml/2006/main">
+  <p:cSld>
+    <p:spTree>
+      <p:nvGrpSpPr>
+        <p:cNvPr id="1" name=""/>
+        <p:cNvGrpSpPr/>
+        <p:nvPr/>
+      </p:nvGrpSpPr>
+      <p:grpSpPr>
+        <a:xfrm>
+          <a:off x="0" y="0"/>
+          <a:ext cx="0" cy="0"/>
+          <a:chOff x="0" y="0"/>
+          <a:chExt cx="0" cy="0"/>
+        </a:xfrm>
+      </p:grpSpPr>
+      <p:sp>
+        <p:nvSpPr>
+          <p:cNvPr id="2" name="Title 1"/>
+          <p:cNvSpPr>
+            <a:spLocks noGrp="1"/>
+          </p:cNvSpPr>
+          <p:nvPr>
+            <p:ph type="title"/>
+          </p:nvPr>
+        </p:nvSpPr>
+        <p:spPr/>
+        <p:txBody>
+          <a:bodyPr/>
+          <a:lstStyle/>
+          <a:p>
+            <a:r>
+              <a:rPr lang="sl-SI" dirty="0" err="1" smtClean="0"/>
+              <a:t>Pre</a:t>
+            </a:r>
+            <a:r>
+              <a:rPr lang="sl-SI" dirty="0" smtClean="0"/>
+              <a:t> – </a:t>
+            </a:r>
+            <a:r>
+              <a:rPr lang="sl-SI" dirty="0" err="1" smtClean="0"/>
+              <a:t>processing</a:t>
+            </a:r>
+            <a:endParaRPr lang="en-GB" dirty="0"/>
+          </a:p>
+        </p:txBody>
+      </p:sp>
+      <p:sp>
+        <p:nvSpPr>
+          <p:cNvPr id="3" name="Content Placeholder 2"/>
+          <p:cNvSpPr>
+            <a:spLocks noGrp="1"/>
+          </p:cNvSpPr>
+          <p:nvPr>
+            <p:ph idx="1"/>
+          </p:nvPr>
+        </p:nvSpPr>
+        <p:spPr/>
+        <p:txBody>
+          <a:bodyPr/>
+          <a:lstStyle/>
+          <a:p>
+            <a:r>
+              <a:rPr lang="sl-SI" dirty="0" err="1" smtClean="0"/>
+              <a:t>Common</a:t>
+            </a:r>
+            <a:r>
+              <a:rPr lang="sl-SI" dirty="0" smtClean="0"/>
+              <a:t> data </a:t>
+            </a:r>
+            <a:r>
+              <a:rPr lang="sl-SI" dirty="0" err="1" smtClean="0"/>
+              <a:t>problems</a:t>
+            </a:r>
+            <a:r>
+              <a:rPr lang="sl-SI" dirty="0" smtClean="0"/>
+              <a:t> -&gt; </a:t>
+            </a:r>
+            <a:r>
+              <a:rPr lang="sl-SI" dirty="0" err="1" smtClean="0"/>
+              <a:t>Dirty</a:t>
+            </a:r>
+            <a:r>
+              <a:rPr lang="sl-SI" dirty="0" smtClean="0"/>
+              <a:t> data </a:t>
+            </a:r>
+            <a:r>
+              <a:rPr lang="sl-SI" dirty="0" smtClean="0">
+                <a:sym typeface="Wingdings" panose="05000000000000000000" pitchFamily="2" charset="2"/>
+              </a:rPr>
+              <a:t></a:t>
+            </a:r>
+          </a:p>
+          <a:p>
+            <a:r>
+              <a:rPr lang="sl-SI" dirty="0" err="1" smtClean="0">
+                <a:sym typeface="Wingdings" panose="05000000000000000000" pitchFamily="2" charset="2"/>
+              </a:rPr>
+              <a:t>Missing</a:t>
+            </a:r>
+            <a:r>
+              <a:rPr lang="sl-SI" dirty="0" smtClean="0">
+                <a:sym typeface="Wingdings" panose="05000000000000000000" pitchFamily="2" charset="2"/>
+              </a:rPr>
+              <a:t>, invalid </a:t>
+            </a:r>
+            <a:r>
+              <a:rPr lang="sl-SI" dirty="0" err="1" smtClean="0">
+                <a:sym typeface="Wingdings" panose="05000000000000000000" pitchFamily="2" charset="2"/>
+              </a:rPr>
+              <a:t>or</a:t>
+            </a:r>
+            <a:r>
+              <a:rPr lang="sl-SI" dirty="0" smtClean="0">
+                <a:sym typeface="Wingdings" panose="05000000000000000000" pitchFamily="2" charset="2"/>
+              </a:rPr>
+              <a:t> out-</a:t>
+            </a:r>
+            <a:r>
+              <a:rPr lang="sl-SI" dirty="0" err="1" smtClean="0">
+                <a:sym typeface="Wingdings" panose="05000000000000000000" pitchFamily="2" charset="2"/>
+              </a:rPr>
+              <a:t>of</a:t>
+            </a:r>
+            <a:r>
+              <a:rPr lang="sl-SI" dirty="0" smtClean="0">
+                <a:sym typeface="Wingdings" panose="05000000000000000000" pitchFamily="2" charset="2"/>
+              </a:rPr>
+              <a:t>-range </a:t>
+            </a:r>
+            <a:r>
+              <a:rPr lang="sl-SI" dirty="0" err="1" smtClean="0">
+                <a:sym typeface="Wingdings" panose="05000000000000000000" pitchFamily="2" charset="2"/>
+              </a:rPr>
+              <a:t>values</a:t>
+            </a:r>
+            <a:endParaRPr lang="sl-SI" dirty="0" smtClean="0">
+              <a:sym typeface="Wingdings" panose="05000000000000000000" pitchFamily="2" charset="2"/>
+            </a:endParaRPr>
+          </a:p>
+          <a:p>
+            <a:r>
+              <a:rPr lang="sl-SI" dirty="0" err="1" smtClean="0">
+                <a:sym typeface="Wingdings" panose="05000000000000000000" pitchFamily="2" charset="2"/>
+              </a:rPr>
+              <a:t>Categorical</a:t>
+            </a:r>
+            <a:r>
+              <a:rPr lang="sl-SI" dirty="0" smtClean="0">
+                <a:sym typeface="Wingdings" panose="05000000000000000000" pitchFamily="2" charset="2"/>
+              </a:rPr>
+              <a:t> </a:t>
+            </a:r>
+            <a:r>
+              <a:rPr lang="sl-SI" dirty="0" err="1" smtClean="0">
+                <a:sym typeface="Wingdings" panose="05000000000000000000" pitchFamily="2" charset="2"/>
+              </a:rPr>
+              <a:t>variables</a:t>
+            </a:r>
+            <a:r>
+              <a:rPr lang="sl-SI" dirty="0" smtClean="0">
+                <a:sym typeface="Wingdings" panose="05000000000000000000" pitchFamily="2" charset="2"/>
+              </a:rPr>
+              <a:t> </a:t>
+            </a:r>
+            <a:r>
+              <a:rPr lang="sl-SI" dirty="0" err="1" smtClean="0">
+                <a:sym typeface="Wingdings" panose="05000000000000000000" pitchFamily="2" charset="2"/>
+              </a:rPr>
+              <a:t>with</a:t>
+            </a:r>
+            <a:r>
+              <a:rPr lang="sl-SI" dirty="0" smtClean="0">
+                <a:sym typeface="Wingdings" panose="05000000000000000000" pitchFamily="2" charset="2"/>
+              </a:rPr>
+              <a:t> large </a:t>
+            </a:r>
+            <a:r>
+              <a:rPr lang="sl-SI" dirty="0" err="1" smtClean="0">
+                <a:sym typeface="Wingdings" panose="05000000000000000000" pitchFamily="2" charset="2"/>
+              </a:rPr>
+              <a:t>sets</a:t>
+            </a:r>
+            <a:r>
+              <a:rPr lang="sl-SI" dirty="0" smtClean="0">
+                <a:sym typeface="Wingdings" panose="05000000000000000000" pitchFamily="2" charset="2"/>
+              </a:rPr>
+              <a:t> </a:t>
+            </a:r>
+            <a:r>
+              <a:rPr lang="sl-SI" dirty="0" err="1" smtClean="0">
+                <a:sym typeface="Wingdings" panose="05000000000000000000" pitchFamily="2" charset="2"/>
+              </a:rPr>
+              <a:t>of</a:t>
+            </a:r>
+            <a:r>
+              <a:rPr lang="sl-SI" dirty="0" smtClean="0">
+                <a:sym typeface="Wingdings" panose="05000000000000000000" pitchFamily="2" charset="2"/>
+              </a:rPr>
+              <a:t> </a:t>
+            </a:r>
+            <a:r>
+              <a:rPr lang="sl-SI" dirty="0" err="1" smtClean="0">
+                <a:sym typeface="Wingdings" panose="05000000000000000000" pitchFamily="2" charset="2"/>
+              </a:rPr>
+              <a:t>possible</a:t>
+            </a:r>
+            <a:r>
+              <a:rPr lang="sl-SI" dirty="0" smtClean="0">
+                <a:sym typeface="Wingdings" panose="05000000000000000000" pitchFamily="2" charset="2"/>
+              </a:rPr>
+              <a:t> </a:t>
+            </a:r>
+            <a:r>
+              <a:rPr lang="sl-SI" dirty="0" err="1" smtClean="0">
+                <a:sym typeface="Wingdings" panose="05000000000000000000" pitchFamily="2" charset="2"/>
+              </a:rPr>
+              <a:t>values</a:t>
+            </a:r>
+            <a:endParaRPr lang="sl-SI" dirty="0" smtClean="0">
+              <a:sym typeface="Wingdings" panose="05000000000000000000" pitchFamily="2" charset="2"/>
+            </a:endParaRPr>
+          </a:p>
+          <a:p>
+            <a:r>
+              <a:rPr lang="sl-SI" dirty="0" err="1" smtClean="0">
+                <a:sym typeface="Wingdings" panose="05000000000000000000" pitchFamily="2" charset="2"/>
+              </a:rPr>
+              <a:t>Levels</a:t>
+            </a:r>
+            <a:r>
+              <a:rPr lang="sl-SI" dirty="0" smtClean="0">
+                <a:sym typeface="Wingdings" panose="05000000000000000000" pitchFamily="2" charset="2"/>
+              </a:rPr>
+              <a:t> </a:t>
+            </a:r>
+            <a:r>
+              <a:rPr lang="sl-SI" dirty="0" err="1" smtClean="0">
+                <a:sym typeface="Wingdings" panose="05000000000000000000" pitchFamily="2" charset="2"/>
+              </a:rPr>
+              <a:t>discovered</a:t>
+            </a:r>
+            <a:r>
+              <a:rPr lang="sl-SI" dirty="0" smtClean="0">
+                <a:sym typeface="Wingdings" panose="05000000000000000000" pitchFamily="2" charset="2"/>
+              </a:rPr>
+              <a:t> </a:t>
+            </a:r>
+            <a:r>
+              <a:rPr lang="sl-SI" dirty="0" err="1" smtClean="0">
+                <a:sym typeface="Wingdings" panose="05000000000000000000" pitchFamily="2" charset="2"/>
+              </a:rPr>
+              <a:t>during</a:t>
+            </a:r>
+            <a:r>
+              <a:rPr lang="sl-SI" dirty="0" smtClean="0">
+                <a:sym typeface="Wingdings" panose="05000000000000000000" pitchFamily="2" charset="2"/>
+              </a:rPr>
+              <a:t> test, </a:t>
+            </a:r>
+            <a:r>
+              <a:rPr lang="sl-SI" dirty="0" err="1" smtClean="0">
+                <a:sym typeface="Wingdings" panose="05000000000000000000" pitchFamily="2" charset="2"/>
+              </a:rPr>
+              <a:t>cross-validations</a:t>
+            </a:r>
+            <a:r>
+              <a:rPr lang="sl-SI" dirty="0" smtClean="0">
+                <a:sym typeface="Wingdings" panose="05000000000000000000" pitchFamily="2" charset="2"/>
+              </a:rPr>
+              <a:t> </a:t>
+            </a:r>
+            <a:r>
+              <a:rPr lang="sl-SI" dirty="0" err="1" smtClean="0">
+                <a:sym typeface="Wingdings" panose="05000000000000000000" pitchFamily="2" charset="2"/>
+              </a:rPr>
+              <a:t>or</a:t>
+            </a:r>
+            <a:r>
+              <a:rPr lang="sl-SI" dirty="0" smtClean="0">
+                <a:sym typeface="Wingdings" panose="05000000000000000000" pitchFamily="2" charset="2"/>
+              </a:rPr>
+              <a:t> model </a:t>
+            </a:r>
+            <a:r>
+              <a:rPr lang="sl-SI" dirty="0" err="1" smtClean="0">
+                <a:sym typeface="Wingdings" panose="05000000000000000000" pitchFamily="2" charset="2"/>
+              </a:rPr>
+              <a:t>deployment</a:t>
+            </a:r>
+            <a:endParaRPr lang="sl-SI" dirty="0" smtClean="0">
+              <a:sym typeface="Wingdings" panose="05000000000000000000" pitchFamily="2" charset="2"/>
+            </a:endParaRPr>
+          </a:p>
+          <a:p>
+            <a:r>
+              <a:rPr lang="sl-SI" dirty="0" smtClean="0">
+                <a:sym typeface="Wingdings" panose="05000000000000000000" pitchFamily="2" charset="2"/>
+              </a:rPr>
+              <a:t>Large </a:t>
+            </a:r>
+            <a:r>
+              <a:rPr lang="sl-SI" dirty="0" err="1" smtClean="0">
+                <a:sym typeface="Wingdings" panose="05000000000000000000" pitchFamily="2" charset="2"/>
+              </a:rPr>
+              <a:t>number</a:t>
+            </a:r>
+            <a:r>
+              <a:rPr lang="sl-SI" dirty="0" smtClean="0">
+                <a:sym typeface="Wingdings" panose="05000000000000000000" pitchFamily="2" charset="2"/>
+              </a:rPr>
+              <a:t> </a:t>
+            </a:r>
+            <a:r>
+              <a:rPr lang="sl-SI" dirty="0" err="1" smtClean="0">
+                <a:sym typeface="Wingdings" panose="05000000000000000000" pitchFamily="2" charset="2"/>
+              </a:rPr>
+              <a:t>of</a:t>
+            </a:r>
+            <a:r>
+              <a:rPr lang="sl-SI" dirty="0" smtClean="0">
+                <a:sym typeface="Wingdings" panose="05000000000000000000" pitchFamily="2" charset="2"/>
+              </a:rPr>
+              <a:t> </a:t>
+            </a:r>
+            <a:r>
+              <a:rPr lang="sl-SI" dirty="0" err="1" smtClean="0">
+                <a:sym typeface="Wingdings" panose="05000000000000000000" pitchFamily="2" charset="2"/>
+              </a:rPr>
+              <a:t>variables</a:t>
+            </a:r>
+            <a:r>
+              <a:rPr lang="sl-SI" dirty="0" smtClean="0">
+                <a:sym typeface="Wingdings" panose="05000000000000000000" pitchFamily="2" charset="2"/>
+              </a:rPr>
+              <a:t> / </a:t>
+            </a:r>
+            <a:r>
+              <a:rPr lang="sl-SI" dirty="0" err="1" smtClean="0">
+                <a:sym typeface="Wingdings" panose="05000000000000000000" pitchFamily="2" charset="2"/>
+              </a:rPr>
+              <a:t>columns</a:t>
+            </a:r>
+            <a:r>
+              <a:rPr lang="sl-SI" dirty="0" smtClean="0">
+                <a:sym typeface="Wingdings" panose="05000000000000000000" pitchFamily="2" charset="2"/>
+              </a:rPr>
+              <a:t> / </a:t>
+            </a:r>
+            <a:r>
+              <a:rPr lang="sl-SI" dirty="0" err="1" smtClean="0">
+                <a:sym typeface="Wingdings" panose="05000000000000000000" pitchFamily="2" charset="2"/>
+              </a:rPr>
+              <a:t>features</a:t>
+            </a:r>
+            <a:r>
+              <a:rPr lang="sl-SI" dirty="0" smtClean="0">
+                <a:sym typeface="Wingdings" panose="05000000000000000000" pitchFamily="2" charset="2"/>
+              </a:rPr>
+              <a:t> as </a:t>
+            </a:r>
+            <a:r>
+              <a:rPr lang="sl-SI" dirty="0" err="1" smtClean="0">
+                <a:sym typeface="Wingdings" panose="05000000000000000000" pitchFamily="2" charset="2"/>
+              </a:rPr>
+              <a:t>potential</a:t>
+            </a:r>
+            <a:r>
+              <a:rPr lang="sl-SI" dirty="0" smtClean="0">
+                <a:sym typeface="Wingdings" panose="05000000000000000000" pitchFamily="2" charset="2"/>
+              </a:rPr>
+              <a:t> </a:t>
+            </a:r>
+            <a:r>
+              <a:rPr lang="sl-SI" dirty="0" err="1" smtClean="0">
+                <a:sym typeface="Wingdings" panose="05000000000000000000" pitchFamily="2" charset="2"/>
+              </a:rPr>
+              <a:t>candidates</a:t>
+            </a:r>
+            <a:r>
+              <a:rPr lang="sl-SI" dirty="0" smtClean="0">
+                <a:sym typeface="Wingdings" panose="05000000000000000000" pitchFamily="2" charset="2"/>
+              </a:rPr>
+              <a:t> </a:t>
+            </a:r>
+            <a:r>
+              <a:rPr lang="sl-SI" dirty="0" err="1" smtClean="0">
+                <a:sym typeface="Wingdings" panose="05000000000000000000" pitchFamily="2" charset="2"/>
+              </a:rPr>
+              <a:t>for</a:t>
+            </a:r>
+            <a:r>
+              <a:rPr lang="sl-SI" dirty="0">
+                <a:sym typeface="Wingdings" panose="05000000000000000000" pitchFamily="2" charset="2"/>
+              </a:rPr>
+              <a:t> </a:t>
+            </a:r>
+            <a:r>
+              <a:rPr lang="sl-SI" dirty="0" err="1" smtClean="0">
+                <a:sym typeface="Wingdings" panose="05000000000000000000" pitchFamily="2" charset="2"/>
+              </a:rPr>
+              <a:t>modellling</a:t>
+            </a:r>
+            <a:r>
+              <a:rPr lang="sl-SI" dirty="0" smtClean="0">
+                <a:sym typeface="Wingdings" panose="05000000000000000000" pitchFamily="2" charset="2"/>
+              </a:rPr>
+              <a:t> </a:t>
+            </a:r>
+            <a:r>
+              <a:rPr lang="sl-SI" dirty="0" err="1" smtClean="0">
+                <a:sym typeface="Wingdings" panose="05000000000000000000" pitchFamily="2" charset="2"/>
+              </a:rPr>
+              <a:t>variables</a:t>
+            </a:r>
+            <a:endParaRPr lang="sl-SI" dirty="0" smtClean="0">
+              <a:sym typeface="Wingdings" panose="05000000000000000000" pitchFamily="2" charset="2"/>
+            </a:endParaRPr>
+          </a:p>
+          <a:p>
+            <a:r>
+              <a:rPr lang="sl-SI" dirty="0" err="1" smtClean="0">
+                <a:sym typeface="Wingdings" panose="05000000000000000000" pitchFamily="2" charset="2"/>
+              </a:rPr>
+              <a:t>Nested</a:t>
+            </a:r>
+            <a:r>
+              <a:rPr lang="sl-SI" dirty="0" smtClean="0">
+                <a:sym typeface="Wingdings" panose="05000000000000000000" pitchFamily="2" charset="2"/>
+              </a:rPr>
+              <a:t> model </a:t>
+            </a:r>
+            <a:r>
+              <a:rPr lang="sl-SI" dirty="0" err="1" smtClean="0">
+                <a:sym typeface="Wingdings" panose="05000000000000000000" pitchFamily="2" charset="2"/>
+              </a:rPr>
+              <a:t>bias</a:t>
+            </a:r>
+            <a:r>
+              <a:rPr lang="sl-SI" dirty="0" smtClean="0">
+                <a:sym typeface="Wingdings" panose="05000000000000000000" pitchFamily="2" charset="2"/>
+              </a:rPr>
+              <a:t> </a:t>
+            </a:r>
+            <a:r>
+              <a:rPr lang="sl-SI" dirty="0" err="1" smtClean="0">
+                <a:sym typeface="Wingdings" panose="05000000000000000000" pitchFamily="2" charset="2"/>
+              </a:rPr>
+              <a:t>influencing</a:t>
+            </a:r>
+            <a:r>
+              <a:rPr lang="sl-SI" dirty="0" smtClean="0">
+                <a:sym typeface="Wingdings" panose="05000000000000000000" pitchFamily="2" charset="2"/>
+              </a:rPr>
+              <a:t> </a:t>
+            </a:r>
+            <a:r>
+              <a:rPr lang="sl-SI" dirty="0" err="1" smtClean="0">
+                <a:sym typeface="Wingdings" panose="05000000000000000000" pitchFamily="2" charset="2"/>
+              </a:rPr>
+              <a:t>the</a:t>
+            </a:r>
+            <a:r>
+              <a:rPr lang="sl-SI" dirty="0" smtClean="0">
+                <a:sym typeface="Wingdings" panose="05000000000000000000" pitchFamily="2" charset="2"/>
+              </a:rPr>
+              <a:t> model </a:t>
+            </a:r>
+            <a:r>
+              <a:rPr lang="sl-SI" smtClean="0">
+                <a:sym typeface="Wingdings" panose="05000000000000000000" pitchFamily="2" charset="2"/>
+              </a:rPr>
+              <a:t>outcome</a:t>
+            </a:r>
+            <a:endParaRPr lang="sl-SI" dirty="0" smtClean="0">
+              <a:sym typeface="Wingdings" panose="05000000000000000000" pitchFamily="2" charset="2"/>
+            </a:endParaRPr>
+          </a:p>
+          <a:p>
+            <a:r>
+              <a:rPr lang="sl-SI" dirty="0" smtClean="0">
+                <a:sym typeface="Wingdings" panose="05000000000000000000" pitchFamily="2" charset="2"/>
+              </a:rPr>
+              <a:t>… </a:t>
+            </a:r>
+            <a:r>
+              <a:rPr lang="sl-SI" dirty="0" err="1" smtClean="0">
+                <a:sym typeface="Wingdings" panose="05000000000000000000" pitchFamily="2" charset="2"/>
+              </a:rPr>
+              <a:t>and</a:t>
+            </a:r>
+            <a:r>
+              <a:rPr lang="sl-SI" dirty="0" smtClean="0">
+                <a:sym typeface="Wingdings" panose="05000000000000000000" pitchFamily="2" charset="2"/>
+              </a:rPr>
+              <a:t> </a:t>
+            </a:r>
+            <a:r>
+              <a:rPr lang="sl-SI" dirty="0" err="1" smtClean="0">
+                <a:sym typeface="Wingdings" panose="05000000000000000000" pitchFamily="2" charset="2"/>
+              </a:rPr>
+              <a:t>many</a:t>
+            </a:r>
+            <a:r>
+              <a:rPr lang="sl-SI" dirty="0" smtClean="0">
+                <a:sym typeface="Wingdings" panose="05000000000000000000" pitchFamily="2" charset="2"/>
+              </a:rPr>
+              <a:t> more f**** </a:t>
+            </a:r>
+            <a:r>
+              <a:rPr lang="sl-SI" dirty="0" err="1" smtClean="0">
+                <a:sym typeface="Wingdings" panose="05000000000000000000" pitchFamily="2" charset="2"/>
+              </a:rPr>
+              <a:t>problems</a:t>
+            </a:r>
+            <a:endParaRPr lang="en-GB" dirty="0"/>
+          </a:p>
+        </p:txBody>
+      </p:sp>
+      <p:sp>
+        <p:nvSpPr>
+          <p:cNvPr id="4" name="Slide Number Placeholder 3"/>
+          <p:cNvSpPr>
+            <a:spLocks noGrp="1"/>
+          </p:cNvSpPr>
+          <p:nvPr>
+            <p:ph type="sldNum" sz="quarter" idx="12"/>
+          </p:nvPr>
+        </p:nvSpPr>
+        <p:spPr/>
+        <p:txBody>
+          <a:bodyPr/>
+          <a:lstStyle/>
+          <a:p>
+            <a:fld id="{D57F1E4F-1CFF-5643-939E-02111984F565}" type="slidenum">
+              <a:rPr lang="en-US" smtClean="0"/>
+              <a:t>3</a:t>
+            </a:fld>
+            <a:endParaRPr lang="en-US" dirty="0"/>
+          </a:p>
+        </p:txBody>
+      </p:sp>
+    </p:spTree>
+    <p:extLst>
+      <p:ext uri="{BB962C8B-B14F-4D97-AF65-F5344CB8AC3E}">
+        <p14:creationId xmlns:p14="http://schemas.microsoft.com/office/powerpoint/2010/main" val="3298963497"/>
+      </p:ext>
+    </p:extLst>
+  </p:cSld>
+  <p:clrMapOvr>
+    <a:masterClrMapping/>
+  </p:clrMapOvr>
+</p:sld>
+</file>
+
+<file path=ppt/slides/slide4.xml><?xml version="1.0" encoding="utf-8"?>
+<p:sld xmlns:a="http://schemas.openxmlformats.org/drawingml/2006/main" xmlns:r="http://schemas.openxmlformats.org/officeDocument/2006/relationships" xmlns:p="http://schemas.openxmlformats.org/presentationml/2006/main">
+  <p:cSld>
+    <p:spTree>
+      <p:nvGrpSpPr>
+        <p:cNvPr id="1" name=""/>
+        <p:cNvGrpSpPr/>
+        <p:nvPr/>
+      </p:nvGrpSpPr>
+      <p:grpSpPr>
+        <a:xfrm>
+          <a:off x="0" y="0"/>
+          <a:ext cx="0" cy="0"/>
+          <a:chOff x="0" y="0"/>
+          <a:chExt cx="0" cy="0"/>
+        </a:xfrm>
+      </p:grpSpPr>
+      <p:sp>
+        <p:nvSpPr>
+          <p:cNvPr id="2" name="Title 1"/>
+          <p:cNvSpPr>
+            <a:spLocks noGrp="1"/>
+          </p:cNvSpPr>
+          <p:nvPr>
+            <p:ph type="title"/>
+          </p:nvPr>
+        </p:nvSpPr>
+        <p:spPr/>
+        <p:txBody>
+          <a:bodyPr/>
+          <a:lstStyle/>
+          <a:p>
+            <a:r>
+              <a:rPr lang="sl-SI" dirty="0" err="1" smtClean="0"/>
+              <a:t>Uni</a:t>
+            </a:r>
+            <a:r>
+              <a:rPr lang="sl-SI" dirty="0" smtClean="0"/>
+              <a:t>- / Bi- </a:t>
+            </a:r>
+            <a:r>
+              <a:rPr lang="sl-SI" dirty="0" err="1" smtClean="0"/>
+              <a:t>stats</a:t>
+            </a:r>
+            <a:endParaRPr lang="en-GB" dirty="0"/>
+          </a:p>
+        </p:txBody>
+      </p:sp>
+      <p:sp>
+        <p:nvSpPr>
+          <p:cNvPr id="3" name="Content Placeholder 2"/>
+          <p:cNvSpPr>
+            <a:spLocks noGrp="1"/>
+          </p:cNvSpPr>
+          <p:nvPr>
+            <p:ph idx="1"/>
+          </p:nvPr>
+        </p:nvSpPr>
+        <p:spPr/>
+        <p:txBody>
+          <a:bodyPr/>
+          <a:lstStyle/>
+          <a:p>
+            <a:endParaRPr lang="en-GB" dirty="0"/>
+          </a:p>
+        </p:txBody>
+      </p:sp>
+      <p:sp>
+        <p:nvSpPr>
+          <p:cNvPr id="4" name="Slide Number Placeholder 3"/>
+          <p:cNvSpPr>
+            <a:spLocks noGrp="1"/>
+          </p:cNvSpPr>
+          <p:nvPr>
+            <p:ph type="sldNum" sz="quarter" idx="12"/>
+          </p:nvPr>
+        </p:nvSpPr>
+        <p:spPr/>
+        <p:txBody>
+          <a:bodyPr/>
+          <a:lstStyle/>
+          <a:p>
+            <a:fld id="{D57F1E4F-1CFF-5643-939E-02111984F565}" type="slidenum">
+              <a:rPr lang="en-US" smtClean="0"/>
+              <a:t>4</a:t>
+            </a:fld>
+            <a:endParaRPr lang="en-US" dirty="0"/>
+          </a:p>
+        </p:txBody>
+      </p:sp>
+    </p:spTree>
+    <p:extLst>
+      <p:ext uri="{BB962C8B-B14F-4D97-AF65-F5344CB8AC3E}">
+        <p14:creationId xmlns:p14="http://schemas.microsoft.com/office/powerpoint/2010/main" val="2845685861"/>
+      </p:ext>
+    </p:extLst>
+  </p:cSld>
+  <p:clrMapOvr>
+    <a:masterClrMapping/>
+  </p:clrMapOvr>
+</p:sld>
+</file>
+
+<file path=ppt/slides/slide5.xml><?xml version="1.0" encoding="utf-8"?>
+<p:sld xmlns:a="http://schemas.openxmlformats.org/drawingml/2006/main" xmlns:r="http://schemas.openxmlformats.org/officeDocument/2006/relationships" xmlns:p="http://schemas.openxmlformats.org/presentationml/2006/main">
+  <p:cSld>
+    <p:spTree>
+      <p:nvGrpSpPr>
+        <p:cNvPr id="1" name=""/>
+        <p:cNvGrpSpPr/>
+        <p:nvPr/>
+      </p:nvGrpSpPr>
+      <p:grpSpPr>
+        <a:xfrm>
+          <a:off x="0" y="0"/>
+          <a:ext cx="0" cy="0"/>
+          <a:chOff x="0" y="0"/>
+          <a:chExt cx="0" cy="0"/>
+        </a:xfrm>
+      </p:grpSpPr>
+      <p:sp>
+        <p:nvSpPr>
+          <p:cNvPr id="2" name="Title 1"/>
+          <p:cNvSpPr>
+            <a:spLocks noGrp="1"/>
+          </p:cNvSpPr>
+          <p:nvPr>
+            <p:ph type="title"/>
+          </p:nvPr>
+        </p:nvSpPr>
+        <p:spPr/>
+        <p:txBody>
+          <a:bodyPr/>
+          <a:lstStyle/>
+          <a:p>
+            <a:r>
+              <a:rPr lang="sl-SI" dirty="0" smtClean="0"/>
+              <a:t>NULL </a:t>
+            </a:r>
+            <a:r>
+              <a:rPr lang="sl-SI" dirty="0" err="1" smtClean="0"/>
+              <a:t>Values</a:t>
+            </a:r>
+            <a:endParaRPr lang="en-GB" dirty="0"/>
+          </a:p>
+        </p:txBody>
+      </p:sp>
+      <p:sp>
+        <p:nvSpPr>
+          <p:cNvPr id="3" name="Content Placeholder 2"/>
+          <p:cNvSpPr>
+            <a:spLocks noGrp="1"/>
+          </p:cNvSpPr>
+          <p:nvPr>
+            <p:ph idx="1"/>
+          </p:nvPr>
+        </p:nvSpPr>
+        <p:spPr/>
+        <p:txBody>
+          <a:bodyPr/>
+          <a:lstStyle/>
+          <a:p>
+            <a:r>
+              <a:rPr lang="sl-SI" dirty="0" err="1" smtClean="0"/>
+              <a:t>Why</a:t>
+            </a:r>
+            <a:r>
+              <a:rPr lang="sl-SI" dirty="0" smtClean="0"/>
+              <a:t>?</a:t>
+            </a:r>
+          </a:p>
+          <a:p>
+            <a:r>
+              <a:rPr lang="sl-SI" dirty="0" err="1" smtClean="0"/>
+              <a:t>What</a:t>
+            </a:r>
+            <a:r>
+              <a:rPr lang="sl-SI" dirty="0" smtClean="0"/>
+              <a:t> to do?</a:t>
+            </a:r>
+          </a:p>
+          <a:p>
+            <a:r>
+              <a:rPr lang="sl-SI" dirty="0" err="1" smtClean="0"/>
+              <a:t>Replacement</a:t>
+            </a:r>
+            <a:r>
+              <a:rPr lang="sl-SI" dirty="0"/>
+              <a:t> </a:t>
+            </a:r>
+            <a:r>
+              <a:rPr lang="sl-SI" dirty="0" smtClean="0"/>
+              <a:t>/ </a:t>
+            </a:r>
+            <a:r>
+              <a:rPr lang="sl-SI" dirty="0" err="1" smtClean="0"/>
+              <a:t>Imputating</a:t>
+            </a:r>
+            <a:endParaRPr lang="sl-SI" dirty="0" smtClean="0"/>
+          </a:p>
+          <a:p>
+            <a:endParaRPr lang="en-GB" dirty="0"/>
+          </a:p>
+        </p:txBody>
+      </p:sp>
+      <p:sp>
+        <p:nvSpPr>
+          <p:cNvPr id="4" name="Slide Number Placeholder 3"/>
+          <p:cNvSpPr>
+            <a:spLocks noGrp="1"/>
+          </p:cNvSpPr>
+          <p:nvPr>
+            <p:ph type="sldNum" sz="quarter" idx="12"/>
+          </p:nvPr>
+        </p:nvSpPr>
+        <p:spPr/>
+        <p:txBody>
+          <a:bodyPr/>
+          <a:lstStyle/>
+          <a:p>
+            <a:fld id="{D57F1E4F-1CFF-5643-939E-02111984F565}" type="slidenum">
+              <a:rPr lang="en-US" smtClean="0"/>
+              <a:t>5</a:t>
+            </a:fld>
+            <a:endParaRPr lang="en-US" dirty="0"/>
+          </a:p>
+        </p:txBody>
+      </p:sp>
+    </p:spTree>
+    <p:extLst>
+      <p:ext uri="{BB962C8B-B14F-4D97-AF65-F5344CB8AC3E}">
+        <p14:creationId xmlns:p14="http://schemas.microsoft.com/office/powerpoint/2010/main" val="3536304118"/>
+      </p:ext>
+    </p:extLst>
+  </p:cSld>
+  <p:clrMapOvr>
+    <a:masterClrMapping/>
+  </p:clrMapOvr>
+</p:sld>
+</file>
+
+<file path=ppt/slides/slide6.xml><?xml version="1.0" encoding="utf-8"?>
+<p:sld xmlns:a="http://schemas.openxmlformats.org/drawingml/2006/main" xmlns:r="http://schemas.openxmlformats.org/officeDocument/2006/relationships" xmlns:p="http://schemas.openxmlformats.org/presentationml/2006/main">
+  <p:cSld>
+    <p:spTree>
+      <p:nvGrpSpPr>
+        <p:cNvPr id="1" name=""/>
+        <p:cNvGrpSpPr/>
+        <p:nvPr/>
+      </p:nvGrpSpPr>
+      <p:grpSpPr>
+        <a:xfrm>
+          <a:off x="0" y="0"/>
+          <a:ext cx="0" cy="0"/>
+          <a:chOff x="0" y="0"/>
+          <a:chExt cx="0" cy="0"/>
+        </a:xfrm>
+      </p:grpSpPr>
+      <p:sp>
+        <p:nvSpPr>
+          <p:cNvPr id="2" name="Title 1"/>
+          <p:cNvSpPr>
+            <a:spLocks noGrp="1"/>
+          </p:cNvSpPr>
+          <p:nvPr>
+            <p:ph type="title"/>
+          </p:nvPr>
+        </p:nvSpPr>
+        <p:spPr/>
+        <p:txBody>
+          <a:bodyPr/>
+          <a:lstStyle/>
+          <a:p>
+            <a:r>
+              <a:rPr lang="sl-SI" dirty="0" err="1" smtClean="0"/>
+              <a:t>Outliers</a:t>
+            </a:r>
+            <a:endParaRPr lang="en-GB" dirty="0"/>
+          </a:p>
+        </p:txBody>
+      </p:sp>
+      <p:sp>
+        <p:nvSpPr>
+          <p:cNvPr id="4" name="Slide Number Placeholder 3"/>
+          <p:cNvSpPr>
+            <a:spLocks noGrp="1"/>
+          </p:cNvSpPr>
+          <p:nvPr>
+            <p:ph type="sldNum" sz="quarter" idx="12"/>
+          </p:nvPr>
+        </p:nvSpPr>
+        <p:spPr/>
+        <p:txBody>
+          <a:bodyPr/>
+          <a:lstStyle/>
+          <a:p>
+            <a:fld id="{D57F1E4F-1CFF-5643-939E-02111984F565}" type="slidenum">
+              <a:rPr lang="en-US" smtClean="0"/>
+              <a:t>6</a:t>
+            </a:fld>
+            <a:endParaRPr lang="en-US" dirty="0"/>
+          </a:p>
+        </p:txBody>
+      </p:sp>
+      <p:pic>
+        <p:nvPicPr>
+          <p:cNvPr id="1026" name="Picture 2" descr="Rezultat iskanja slik za party with the outliers"/>
+          <p:cNvPicPr>
+            <a:picLocks noChangeAspect="1" noChangeArrowheads="1"/>
+          </p:cNvPicPr>
+          <p:nvPr/>
+        </p:nvPicPr>
+        <p:blipFill>
+          <a:blip r:embed="rId2">
+            <a:extLst>
+              <a:ext uri="{28A0092B-C50C-407E-A947-70E740481C1C}">
+                <a14:useLocalDpi xmlns:a14="http://schemas.microsoft.com/office/drawing/2010/main" val="0"/>
+              </a:ext>
+            </a:extLst>
+          </a:blip>
+          <a:srcRect/>
+          <a:stretch>
+            <a:fillRect/>
+          </a:stretch>
+        </p:blipFill>
+        <p:spPr bwMode="auto">
+          <a:xfrm>
+            <a:off x="886404" y="1472473"/>
+            <a:ext cx="7044145" cy="4347559"/>
+          </a:xfrm>
+          <a:prstGeom prst="rect">
+            <a:avLst/>
+          </a:prstGeom>
+          <a:noFill/>
+          <a:extLst>
+            <a:ext uri="{909E8E84-426E-40DD-AFC4-6F175D3DCCD1}">
+              <a14:hiddenFill xmlns:a14="http://schemas.microsoft.com/office/drawing/2010/main">
+                <a:solidFill>
+                  <a:srgbClr val="FFFFFF"/>
+                </a:solidFill>
+              </a14:hiddenFill>
+            </a:ext>
+          </a:extLst>
+        </p:spPr>
+      </p:pic>
+      <p:pic>
+        <p:nvPicPr>
+          <p:cNvPr id="6" name="Picture 2" descr="Rezultat iskanja slik za hide meme cat"/>
+          <p:cNvPicPr>
+            <a:picLocks noChangeAspect="1" noChangeArrowheads="1"/>
+          </p:cNvPicPr>
+          <p:nvPr/>
+        </p:nvPicPr>
+        <p:blipFill>
+          <a:blip r:embed="rId3">
+            <a:extLst>
+              <a:ext uri="{28A0092B-C50C-407E-A947-70E740481C1C}">
+                <a14:useLocalDpi xmlns:a14="http://schemas.microsoft.com/office/drawing/2010/main" val="0"/>
+              </a:ext>
+            </a:extLst>
+          </a:blip>
+          <a:srcRect/>
+          <a:stretch>
+            <a:fillRect/>
+          </a:stretch>
+        </p:blipFill>
+        <p:spPr bwMode="auto">
+          <a:xfrm>
+            <a:off x="886404" y="1271519"/>
+            <a:ext cx="7266609" cy="5449957"/>
+          </a:xfrm>
+          <a:prstGeom prst="rect">
+            <a:avLst/>
+          </a:prstGeom>
+          <a:noFill/>
+          <a:extLst>
+            <a:ext uri="{909E8E84-426E-40DD-AFC4-6F175D3DCCD1}">
+              <a14:hiddenFill xmlns:a14="http://schemas.microsoft.com/office/drawing/2010/main">
+                <a:solidFill>
+                  <a:srgbClr val="FFFFFF"/>
+                </a:solidFill>
+              </a14:hiddenFill>
+            </a:ext>
+          </a:extLst>
+        </p:spPr>
+      </p:pic>
+    </p:spTree>
+    <p:extLst>
+      <p:ext uri="{BB962C8B-B14F-4D97-AF65-F5344CB8AC3E}">
+        <p14:creationId xmlns:p14="http://schemas.microsoft.com/office/powerpoint/2010/main" val="409839427"/>
+      </p:ext>
+    </p:extLst>
+  </p:cSld>
+  <p:clrMapOvr>
+    <a:masterClrMapping/>
+  </p:clrMapOvr>
+</p:sld>
+</file>
+
+<file path=ppt/slides/slide7.xml><?xml version="1.0" encoding="utf-8"?>
+<p:sld xmlns:a="http://schemas.openxmlformats.org/drawingml/2006/main" xmlns:r="http://schemas.openxmlformats.org/officeDocument/2006/relationships" xmlns:p="http://schemas.openxmlformats.org/presentationml/2006/main">
+  <p:cSld>
+    <p:spTree>
+      <p:nvGrpSpPr>
+        <p:cNvPr id="1" name=""/>
+        <p:cNvGrpSpPr/>
+        <p:nvPr/>
+      </p:nvGrpSpPr>
+      <p:grpSpPr>
+        <a:xfrm>
+          <a:off x="0" y="0"/>
+          <a:ext cx="0" cy="0"/>
+          <a:chOff x="0" y="0"/>
+          <a:chExt cx="0" cy="0"/>
+        </a:xfrm>
+      </p:grpSpPr>
+      <p:sp>
+        <p:nvSpPr>
+          <p:cNvPr id="2" name="Title 1"/>
+          <p:cNvSpPr>
+            <a:spLocks noGrp="1"/>
+          </p:cNvSpPr>
+          <p:nvPr>
+            <p:ph type="title"/>
+          </p:nvPr>
+        </p:nvSpPr>
+        <p:spPr/>
+        <p:txBody>
+          <a:bodyPr/>
+          <a:lstStyle/>
+          <a:p>
+            <a:r>
+              <a:rPr lang="sl-SI" dirty="0" err="1" smtClean="0"/>
+              <a:t>Outlier</a:t>
+            </a:r>
+            <a:endParaRPr lang="en-GB" dirty="0"/>
+          </a:p>
+        </p:txBody>
+      </p:sp>
+      <p:sp>
+        <p:nvSpPr>
+          <p:cNvPr id="3" name="Content Placeholder 2"/>
+          <p:cNvSpPr>
+            <a:spLocks noGrp="1"/>
+          </p:cNvSpPr>
+          <p:nvPr>
+            <p:ph idx="1"/>
+          </p:nvPr>
+        </p:nvSpPr>
+        <p:spPr/>
+        <p:txBody>
+          <a:bodyPr/>
+          <a:lstStyle/>
+          <a:p>
+            <a:r>
+              <a:rPr lang="sl-SI" dirty="0" err="1" smtClean="0"/>
+              <a:t>Many</a:t>
+            </a:r>
+            <a:r>
+              <a:rPr lang="sl-SI" dirty="0" smtClean="0"/>
+              <a:t> </a:t>
+            </a:r>
+            <a:r>
+              <a:rPr lang="sl-SI" dirty="0" err="1" smtClean="0"/>
+              <a:t>anecdotes</a:t>
+            </a:r>
+            <a:endParaRPr lang="sl-SI" dirty="0" smtClean="0"/>
+          </a:p>
+          <a:p>
+            <a:r>
+              <a:rPr lang="sl-SI" dirty="0" err="1" smtClean="0"/>
+              <a:t>Result</a:t>
+            </a:r>
+            <a:r>
+              <a:rPr lang="sl-SI" dirty="0" smtClean="0"/>
+              <a:t> </a:t>
+            </a:r>
+            <a:r>
+              <a:rPr lang="sl-SI" dirty="0" err="1" smtClean="0"/>
+              <a:t>of</a:t>
+            </a:r>
+            <a:r>
+              <a:rPr lang="sl-SI" dirty="0" smtClean="0"/>
+              <a:t> </a:t>
+            </a:r>
+            <a:r>
+              <a:rPr lang="sl-SI" dirty="0" err="1" smtClean="0"/>
+              <a:t>poor</a:t>
+            </a:r>
+            <a:r>
+              <a:rPr lang="sl-SI" dirty="0" smtClean="0"/>
+              <a:t> design</a:t>
+            </a:r>
+          </a:p>
+          <a:p>
+            <a:r>
+              <a:rPr lang="sl-SI" dirty="0" err="1" smtClean="0"/>
+              <a:t>Many</a:t>
+            </a:r>
+            <a:r>
+              <a:rPr lang="sl-SI" dirty="0" smtClean="0"/>
+              <a:t> </a:t>
+            </a:r>
+            <a:r>
+              <a:rPr lang="sl-SI" dirty="0" err="1" smtClean="0"/>
+              <a:t>times</a:t>
+            </a:r>
+            <a:r>
+              <a:rPr lang="sl-SI" dirty="0" smtClean="0"/>
+              <a:t> </a:t>
+            </a:r>
+            <a:r>
+              <a:rPr lang="sl-SI" dirty="0" err="1" smtClean="0"/>
+              <a:t>overlooked</a:t>
+            </a:r>
+            <a:endParaRPr lang="sl-SI" dirty="0" smtClean="0"/>
+          </a:p>
+          <a:p>
+            <a:endParaRPr lang="sl-SI" dirty="0" smtClean="0"/>
+          </a:p>
+          <a:p>
+            <a:endParaRPr lang="en-GB" dirty="0"/>
+          </a:p>
+        </p:txBody>
+      </p:sp>
+      <p:sp>
+        <p:nvSpPr>
+          <p:cNvPr id="4" name="Slide Number Placeholder 3"/>
+          <p:cNvSpPr>
+            <a:spLocks noGrp="1"/>
+          </p:cNvSpPr>
+          <p:nvPr>
+            <p:ph type="sldNum" sz="quarter" idx="12"/>
+          </p:nvPr>
+        </p:nvSpPr>
+        <p:spPr/>
+        <p:txBody>
+          <a:bodyPr/>
+          <a:lstStyle/>
+          <a:p>
+            <a:fld id="{D57F1E4F-1CFF-5643-939E-02111984F565}" type="slidenum">
+              <a:rPr lang="en-US" smtClean="0"/>
+              <a:t>7</a:t>
+            </a:fld>
+            <a:endParaRPr lang="en-US" dirty="0"/>
+          </a:p>
+        </p:txBody>
+      </p:sp>
+    </p:spTree>
+    <p:extLst>
+      <p:ext uri="{BB962C8B-B14F-4D97-AF65-F5344CB8AC3E}">
+        <p14:creationId xmlns:p14="http://schemas.microsoft.com/office/powerpoint/2010/main" val="177606166"/>
+      </p:ext>
+    </p:extLst>
+  </p:cSld>
+  <p:clrMapOvr>
+    <a:masterClrMapping/>
+  </p:clrMapOvr>
+</p:sld>
+</file>
+
+<file path=ppt/slides/slide8.xml><?xml version="1.0" encoding="utf-8"?>
 <p:sld xmlns:a="http://schemas.openxmlformats.org/drawingml/2006/main" xmlns:r="http://schemas.openxmlformats.org/officeDocument/2006/relationships" xmlns:p="http://schemas.openxmlformats.org/presentationml/2006/main">
   <p:cSld>
     <p:spTree>

--- a/PredpripravaObdelavaPodatkov_Delavnica.pptx
+++ b/PredpripravaObdelavaPodatkov_Delavnica.pptx
@@ -5,17 +5,19 @@
     <p:sldMasterId id="2147483683" r:id="rId1"/>
   </p:sldMasterIdLst>
   <p:notesMasterIdLst>
-    <p:notesMasterId r:id="rId10"/>
+    <p:notesMasterId r:id="rId12"/>
   </p:notesMasterIdLst>
   <p:sldIdLst>
     <p:sldId id="256" r:id="rId2"/>
     <p:sldId id="257" r:id="rId3"/>
     <p:sldId id="269" r:id="rId4"/>
     <p:sldId id="268" r:id="rId5"/>
-    <p:sldId id="264" r:id="rId6"/>
-    <p:sldId id="265" r:id="rId7"/>
-    <p:sldId id="267" r:id="rId8"/>
-    <p:sldId id="263" r:id="rId9"/>
+    <p:sldId id="270" r:id="rId6"/>
+    <p:sldId id="264" r:id="rId7"/>
+    <p:sldId id="265" r:id="rId8"/>
+    <p:sldId id="267" r:id="rId9"/>
+    <p:sldId id="271" r:id="rId10"/>
+    <p:sldId id="263" r:id="rId11"/>
   </p:sldIdLst>
   <p:sldSz cx="9144000" cy="6858000" type="screen4x3"/>
   <p:notesSz cx="6858000" cy="9144000"/>
@@ -3375,6 +3377,346 @@
 </p:sld>
 </file>
 
+<file path=ppt/slides/slide10.xml><?xml version="1.0" encoding="utf-8"?>
+<p:sld xmlns:a="http://schemas.openxmlformats.org/drawingml/2006/main" xmlns:r="http://schemas.openxmlformats.org/officeDocument/2006/relationships" xmlns:p="http://schemas.openxmlformats.org/presentationml/2006/main">
+  <p:cSld>
+    <p:spTree>
+      <p:nvGrpSpPr>
+        <p:cNvPr id="1" name=""/>
+        <p:cNvGrpSpPr/>
+        <p:nvPr/>
+      </p:nvGrpSpPr>
+      <p:grpSpPr>
+        <a:xfrm>
+          <a:off x="0" y="0"/>
+          <a:ext cx="0" cy="0"/>
+          <a:chOff x="0" y="0"/>
+          <a:chExt cx="0" cy="0"/>
+        </a:xfrm>
+      </p:grpSpPr>
+      <p:sp>
+        <p:nvSpPr>
+          <p:cNvPr id="2" name="Title 1">
+            <a:extLst>
+              <a:ext uri="{FF2B5EF4-FFF2-40B4-BE49-F238E27FC236}">
+                <a16:creationId xmlns:a16="http://schemas.microsoft.com/office/drawing/2014/main" id="{41C4104F-2EAE-451C-8A4D-37A79430A29B}"/>
+              </a:ext>
+            </a:extLst>
+          </p:cNvPr>
+          <p:cNvSpPr>
+            <a:spLocks noGrp="1"/>
+          </p:cNvSpPr>
+          <p:nvPr>
+            <p:ph type="title"/>
+          </p:nvPr>
+        </p:nvSpPr>
+        <p:spPr/>
+        <p:txBody>
+          <a:bodyPr/>
+          <a:lstStyle/>
+          <a:p>
+            <a:r>
+              <a:rPr lang="sl-SI" dirty="0" err="1" smtClean="0"/>
+              <a:t>Give</a:t>
+            </a:r>
+            <a:r>
+              <a:rPr lang="sl-SI" dirty="0" smtClean="0"/>
+              <a:t> </a:t>
+            </a:r>
+            <a:r>
+              <a:rPr lang="sl-SI" dirty="0" err="1" smtClean="0"/>
+              <a:t>us</a:t>
+            </a:r>
+            <a:r>
+              <a:rPr lang="sl-SI" dirty="0" smtClean="0"/>
+              <a:t> </a:t>
+            </a:r>
+            <a:r>
+              <a:rPr lang="sl-SI" dirty="0" err="1" smtClean="0"/>
+              <a:t>your</a:t>
+            </a:r>
+            <a:r>
+              <a:rPr lang="sl-SI" dirty="0" smtClean="0"/>
+              <a:t> </a:t>
+            </a:r>
+            <a:r>
+              <a:rPr lang="sl-SI" dirty="0" err="1" smtClean="0"/>
+              <a:t>feedback</a:t>
+            </a:r>
+            <a:endParaRPr lang="LID4096" dirty="0"/>
+          </a:p>
+        </p:txBody>
+      </p:sp>
+      <p:sp>
+        <p:nvSpPr>
+          <p:cNvPr id="3" name="Content Placeholder 2">
+            <a:extLst>
+              <a:ext uri="{FF2B5EF4-FFF2-40B4-BE49-F238E27FC236}">
+                <a16:creationId xmlns:a16="http://schemas.microsoft.com/office/drawing/2014/main" id="{BA63B557-217E-4415-9B56-994EE26BBAE4}"/>
+              </a:ext>
+            </a:extLst>
+          </p:cNvPr>
+          <p:cNvSpPr>
+            <a:spLocks noGrp="1"/>
+          </p:cNvSpPr>
+          <p:nvPr>
+            <p:ph idx="1"/>
+          </p:nvPr>
+        </p:nvSpPr>
+        <p:spPr/>
+        <p:txBody>
+          <a:bodyPr>
+            <a:normAutofit/>
+          </a:bodyPr>
+          <a:lstStyle/>
+          <a:p>
+            <a:r>
+              <a:rPr lang="sl-SI" dirty="0" err="1" smtClean="0"/>
+              <a:t>Give</a:t>
+            </a:r>
+            <a:r>
+              <a:rPr lang="sl-SI" dirty="0" smtClean="0"/>
+              <a:t> </a:t>
+            </a:r>
+            <a:r>
+              <a:rPr lang="sl-SI" dirty="0" err="1" smtClean="0"/>
+              <a:t>us</a:t>
+            </a:r>
+            <a:r>
+              <a:rPr lang="sl-SI" dirty="0" smtClean="0"/>
+              <a:t> </a:t>
+            </a:r>
+            <a:r>
+              <a:rPr lang="sl-SI" dirty="0" err="1" smtClean="0"/>
+              <a:t>your</a:t>
+            </a:r>
+            <a:r>
+              <a:rPr lang="sl-SI" dirty="0" smtClean="0"/>
+              <a:t> </a:t>
+            </a:r>
+            <a:r>
+              <a:rPr lang="sl-SI" dirty="0" err="1" smtClean="0"/>
+              <a:t>feedback</a:t>
+            </a:r>
+            <a:endParaRPr lang="sl-SI" dirty="0" smtClean="0"/>
+          </a:p>
+          <a:p>
+            <a:r>
+              <a:rPr lang="sl-SI" dirty="0" smtClean="0"/>
+              <a:t>How </a:t>
+            </a:r>
+            <a:r>
+              <a:rPr lang="sl-SI" dirty="0" err="1" smtClean="0"/>
+              <a:t>usefull</a:t>
+            </a:r>
+            <a:r>
+              <a:rPr lang="sl-SI" dirty="0" smtClean="0"/>
+              <a:t> / </a:t>
+            </a:r>
+            <a:r>
+              <a:rPr lang="sl-SI" dirty="0" err="1" smtClean="0"/>
+              <a:t>useless</a:t>
+            </a:r>
+            <a:r>
+              <a:rPr lang="sl-SI" dirty="0" smtClean="0"/>
+              <a:t> </a:t>
+            </a:r>
+            <a:r>
+              <a:rPr lang="sl-SI" dirty="0" err="1" smtClean="0"/>
+              <a:t>did</a:t>
+            </a:r>
+            <a:r>
+              <a:rPr lang="sl-SI" dirty="0" smtClean="0"/>
+              <a:t> </a:t>
+            </a:r>
+            <a:r>
+              <a:rPr lang="sl-SI" dirty="0" err="1" smtClean="0"/>
+              <a:t>you</a:t>
+            </a:r>
+            <a:r>
+              <a:rPr lang="sl-SI" dirty="0" smtClean="0"/>
+              <a:t> </a:t>
+            </a:r>
+            <a:r>
+              <a:rPr lang="sl-SI" dirty="0" err="1" smtClean="0"/>
+              <a:t>find</a:t>
+            </a:r>
+            <a:r>
+              <a:rPr lang="sl-SI" dirty="0" smtClean="0"/>
+              <a:t> </a:t>
+            </a:r>
+            <a:r>
+              <a:rPr lang="sl-SI" dirty="0" err="1" smtClean="0"/>
+              <a:t>this</a:t>
+            </a:r>
+            <a:r>
+              <a:rPr lang="sl-SI" dirty="0" smtClean="0"/>
+              <a:t> </a:t>
+            </a:r>
+            <a:r>
+              <a:rPr lang="sl-SI" dirty="0" err="1" smtClean="0"/>
+              <a:t>workshop</a:t>
+            </a:r>
+            <a:r>
+              <a:rPr lang="sl-SI" dirty="0" smtClean="0"/>
+              <a:t>?</a:t>
+            </a:r>
+          </a:p>
+          <a:p>
+            <a:r>
+              <a:rPr lang="sl-SI" dirty="0" err="1" smtClean="0"/>
+              <a:t>What</a:t>
+            </a:r>
+            <a:r>
+              <a:rPr lang="sl-SI" dirty="0" smtClean="0"/>
+              <a:t> </a:t>
+            </a:r>
+            <a:r>
+              <a:rPr lang="sl-SI" dirty="0" err="1" smtClean="0"/>
+              <a:t>would</a:t>
+            </a:r>
+            <a:r>
+              <a:rPr lang="sl-SI" dirty="0" smtClean="0"/>
+              <a:t> make it </a:t>
+            </a:r>
+            <a:r>
+              <a:rPr lang="sl-SI" dirty="0" err="1" smtClean="0"/>
+              <a:t>better</a:t>
+            </a:r>
+            <a:r>
+              <a:rPr lang="sl-SI" dirty="0" smtClean="0"/>
+              <a:t>?</a:t>
+            </a:r>
+            <a:endParaRPr lang="sl-SI" dirty="0"/>
+          </a:p>
+          <a:p>
+            <a:r>
+              <a:rPr lang="sl-SI" dirty="0" err="1" smtClean="0"/>
+              <a:t>Was</a:t>
+            </a:r>
+            <a:r>
+              <a:rPr lang="sl-SI" dirty="0" smtClean="0"/>
+              <a:t> a </a:t>
+            </a:r>
+            <a:r>
+              <a:rPr lang="sl-SI" dirty="0" err="1" smtClean="0"/>
+              <a:t>particular</a:t>
+            </a:r>
+            <a:r>
+              <a:rPr lang="sl-SI" dirty="0" smtClean="0"/>
+              <a:t> </a:t>
+            </a:r>
+            <a:r>
+              <a:rPr lang="sl-SI" dirty="0" err="1" smtClean="0"/>
+              <a:t>topic</a:t>
+            </a:r>
+            <a:r>
+              <a:rPr lang="sl-SI" dirty="0" smtClean="0"/>
+              <a:t> </a:t>
+            </a:r>
+            <a:r>
+              <a:rPr lang="sl-SI" dirty="0" err="1" smtClean="0"/>
+              <a:t>left</a:t>
+            </a:r>
+            <a:r>
+              <a:rPr lang="sl-SI" dirty="0" smtClean="0"/>
+              <a:t> out?</a:t>
+            </a:r>
+          </a:p>
+          <a:p>
+            <a:r>
+              <a:rPr lang="sl-SI" dirty="0" err="1" smtClean="0"/>
+              <a:t>Would</a:t>
+            </a:r>
+            <a:r>
+              <a:rPr lang="sl-SI" dirty="0" smtClean="0"/>
+              <a:t> </a:t>
+            </a:r>
+            <a:r>
+              <a:rPr lang="sl-SI" dirty="0" err="1" smtClean="0"/>
+              <a:t>you</a:t>
+            </a:r>
+            <a:r>
+              <a:rPr lang="sl-SI" dirty="0" smtClean="0"/>
+              <a:t> </a:t>
+            </a:r>
+            <a:r>
+              <a:rPr lang="sl-SI" dirty="0" err="1" smtClean="0"/>
+              <a:t>recommend</a:t>
+            </a:r>
+            <a:r>
+              <a:rPr lang="sl-SI" dirty="0" smtClean="0"/>
+              <a:t> </a:t>
+            </a:r>
+            <a:r>
+              <a:rPr lang="sl-SI" dirty="0" err="1" smtClean="0"/>
+              <a:t>this</a:t>
+            </a:r>
+            <a:r>
+              <a:rPr lang="sl-SI" dirty="0" smtClean="0"/>
+              <a:t> </a:t>
+            </a:r>
+            <a:r>
+              <a:rPr lang="sl-SI" dirty="0" err="1" smtClean="0"/>
+              <a:t>workshop</a:t>
+            </a:r>
+            <a:r>
+              <a:rPr lang="sl-SI" dirty="0" smtClean="0"/>
+              <a:t> to </a:t>
+            </a:r>
+            <a:r>
+              <a:rPr lang="sl-SI" dirty="0" err="1" smtClean="0"/>
+              <a:t>your</a:t>
+            </a:r>
+            <a:r>
+              <a:rPr lang="sl-SI" dirty="0" smtClean="0"/>
+              <a:t> </a:t>
+            </a:r>
+            <a:r>
+              <a:rPr lang="sl-SI" dirty="0" err="1" smtClean="0"/>
+              <a:t>collegue</a:t>
+            </a:r>
+            <a:r>
+              <a:rPr lang="sl-SI" dirty="0" smtClean="0"/>
+              <a:t>?</a:t>
+            </a:r>
+          </a:p>
+          <a:p>
+            <a:endParaRPr lang="sl-SI" dirty="0"/>
+          </a:p>
+          <a:p>
+            <a:endParaRPr lang="sl-SI" dirty="0" smtClean="0"/>
+          </a:p>
+          <a:p>
+            <a:r>
+              <a:rPr lang="sl-SI" dirty="0" err="1" smtClean="0"/>
+              <a:t>Email</a:t>
+            </a:r>
+            <a:r>
+              <a:rPr lang="sl-SI" dirty="0" smtClean="0"/>
+              <a:t> to: </a:t>
+            </a:r>
+            <a:r>
+              <a:rPr lang="sl-SI" dirty="0" err="1" smtClean="0"/>
+              <a:t>flafla@flafla.flafla</a:t>
+            </a:r>
+            <a:endParaRPr lang="sl-SI" dirty="0"/>
+          </a:p>
+        </p:txBody>
+      </p:sp>
+    </p:spTree>
+    <p:extLst>
+      <p:ext uri="{BB962C8B-B14F-4D97-AF65-F5344CB8AC3E}">
+        <p14:creationId xmlns:p14="http://schemas.microsoft.com/office/powerpoint/2010/main" val="3576103347"/>
+      </p:ext>
+    </p:extLst>
+  </p:cSld>
+  <p:clrMapOvr>
+    <a:masterClrMapping/>
+  </p:clrMapOvr>
+</p:sld>
+</file>
+
 <file path=ppt/slides/slide2.xml><?xml version="1.0" encoding="utf-8"?>
 <p:sld xmlns:a="http://schemas.openxmlformats.org/drawingml/2006/main" xmlns:r="http://schemas.openxmlformats.org/officeDocument/2006/relationships" xmlns:p="http://schemas.openxmlformats.org/presentationml/2006/main">
   <p:cSld>
@@ -4105,7 +4447,7 @@
               <a:t> model </a:t>
             </a:r>
             <a:r>
-              <a:rPr lang="sl-SI" smtClean="0">
+              <a:rPr lang="sl-SI" dirty="0" err="1" smtClean="0">
                 <a:sym typeface="Wingdings" panose="05000000000000000000" pitchFamily="2" charset="2"/>
               </a:rPr>
               <a:t>outcome</a:t>
@@ -4254,6 +4596,80 @@
           <a:bodyPr/>
           <a:lstStyle/>
           <a:p>
+            <a:r>
+              <a:rPr lang="sl-SI" dirty="0" err="1" smtClean="0"/>
+              <a:t>Descriptive</a:t>
+            </a:r>
+            <a:r>
+              <a:rPr lang="sl-SI" dirty="0" smtClean="0"/>
+              <a:t> </a:t>
+            </a:r>
+            <a:r>
+              <a:rPr lang="sl-SI" dirty="0" err="1" smtClean="0"/>
+              <a:t>stats</a:t>
+            </a:r>
+            <a:endParaRPr lang="sl-SI" dirty="0" smtClean="0"/>
+          </a:p>
+          <a:p>
+            <a:r>
+              <a:rPr lang="sl-SI" dirty="0" err="1" smtClean="0"/>
+              <a:t>Frequency</a:t>
+            </a:r>
+            <a:r>
+              <a:rPr lang="sl-SI" dirty="0" smtClean="0"/>
+              <a:t> </a:t>
+            </a:r>
+            <a:r>
+              <a:rPr lang="sl-SI" dirty="0" err="1" smtClean="0"/>
+              <a:t>stats</a:t>
+            </a:r>
+            <a:endParaRPr lang="sl-SI" dirty="0" smtClean="0"/>
+          </a:p>
+          <a:p>
+            <a:r>
+              <a:rPr lang="sl-SI" dirty="0" err="1" smtClean="0"/>
+              <a:t>Correlations</a:t>
+            </a:r>
+            <a:endParaRPr lang="sl-SI" dirty="0" smtClean="0"/>
+          </a:p>
+          <a:p>
+            <a:r>
+              <a:rPr lang="sl-SI" dirty="0" smtClean="0"/>
+              <a:t>Variance </a:t>
+            </a:r>
+            <a:r>
+              <a:rPr lang="sl-SI" dirty="0" err="1" smtClean="0"/>
+              <a:t>and</a:t>
+            </a:r>
+            <a:r>
+              <a:rPr lang="sl-SI" dirty="0" smtClean="0"/>
+              <a:t> </a:t>
+            </a:r>
+            <a:r>
+              <a:rPr lang="sl-SI" dirty="0" err="1" smtClean="0"/>
+              <a:t>measures</a:t>
+            </a:r>
+            <a:endParaRPr lang="sl-SI" dirty="0" smtClean="0"/>
+          </a:p>
+          <a:p>
+            <a:r>
+              <a:rPr lang="sl-SI" dirty="0" err="1" smtClean="0"/>
+              <a:t>Multi</a:t>
+            </a:r>
+            <a:r>
+              <a:rPr lang="sl-SI" dirty="0" smtClean="0"/>
+              <a:t>- </a:t>
+            </a:r>
+            <a:r>
+              <a:rPr lang="sl-SI" dirty="0" err="1" smtClean="0"/>
+              <a:t>Variate</a:t>
+            </a:r>
+            <a:endParaRPr lang="sl-SI" dirty="0" smtClean="0"/>
+          </a:p>
+          <a:p>
+            <a:endParaRPr lang="sl-SI" dirty="0" smtClean="0"/>
+          </a:p>
+          <a:p>
             <a:endParaRPr lang="en-GB" dirty="0"/>
           </a:p>
         </p:txBody>
@@ -4328,11 +4744,11 @@
           <a:p>
             <a:r>
               <a:rPr lang="sl-SI" dirty="0" smtClean="0"/>
-              <a:t>NULL </a:t>
-            </a:r>
-            <a:r>
-              <a:rPr lang="sl-SI" dirty="0" err="1" smtClean="0"/>
-              <a:t>Values</a:t>
+              <a:t>Variable </a:t>
+            </a:r>
+            <a:r>
+              <a:rPr lang="sl-SI" dirty="0" err="1" smtClean="0"/>
+              <a:t>type</a:t>
             </a:r>
             <a:endParaRPr lang="en-GB" dirty="0"/>
           </a:p>
@@ -4355,40 +4771,155 @@
           <a:p>
             <a:r>
               <a:rPr lang="sl-SI" dirty="0" err="1" smtClean="0"/>
-              <a:t>Why</a:t>
-            </a:r>
-            <a:r>
-              <a:rPr lang="sl-SI" dirty="0" smtClean="0"/>
-              <a:t>?</a:t>
-            </a:r>
-          </a:p>
-          <a:p>
-            <a:r>
-              <a:rPr lang="sl-SI" dirty="0" err="1" smtClean="0"/>
-              <a:t>What</a:t>
-            </a:r>
-            <a:r>
-              <a:rPr lang="sl-SI" dirty="0" smtClean="0"/>
-              <a:t> to do?</a:t>
-            </a:r>
-          </a:p>
-          <a:p>
-            <a:r>
-              <a:rPr lang="sl-SI" dirty="0" err="1" smtClean="0"/>
-              <a:t>Replacement</a:t>
-            </a:r>
-            <a:r>
-              <a:rPr lang="sl-SI" dirty="0"/>
-              <a:t> </a:t>
-            </a:r>
-            <a:r>
-              <a:rPr lang="sl-SI" dirty="0" smtClean="0"/>
-              <a:t>/ </a:t>
-            </a:r>
-            <a:r>
-              <a:rPr lang="sl-SI" dirty="0" err="1" smtClean="0"/>
-              <a:t>Imputating</a:t>
-            </a:r>
+              <a:t>By</a:t>
+            </a:r>
+            <a:r>
+              <a:rPr lang="sl-SI" dirty="0" smtClean="0"/>
+              <a:t> </a:t>
+            </a:r>
+            <a:r>
+              <a:rPr lang="sl-SI" dirty="0" err="1" smtClean="0"/>
+              <a:t>characteristic</a:t>
+            </a:r>
+            <a:r>
+              <a:rPr lang="sl-SI" dirty="0" smtClean="0"/>
+              <a:t>: </a:t>
+            </a:r>
+            <a:r>
+              <a:rPr lang="sl-SI" dirty="0" err="1" smtClean="0"/>
+              <a:t>Dependent</a:t>
+            </a:r>
+            <a:r>
+              <a:rPr lang="sl-SI" dirty="0" smtClean="0"/>
+              <a:t> </a:t>
+            </a:r>
+            <a:r>
+              <a:rPr lang="sl-SI" dirty="0" err="1" smtClean="0"/>
+              <a:t>vs</a:t>
+            </a:r>
+            <a:r>
+              <a:rPr lang="sl-SI" dirty="0" smtClean="0"/>
+              <a:t> </a:t>
+            </a:r>
+            <a:r>
+              <a:rPr lang="sl-SI" dirty="0" err="1" smtClean="0"/>
+              <a:t>independent</a:t>
+            </a:r>
+            <a:r>
+              <a:rPr lang="sl-SI" dirty="0" smtClean="0"/>
+              <a:t> </a:t>
+            </a:r>
+            <a:r>
+              <a:rPr lang="sl-SI" dirty="0" err="1" smtClean="0"/>
+              <a:t>variables</a:t>
+            </a:r>
+            <a:endParaRPr lang="sl-SI" dirty="0" smtClean="0"/>
+          </a:p>
+          <a:p>
+            <a:r>
+              <a:rPr lang="sl-SI" dirty="0" err="1" smtClean="0"/>
+              <a:t>By</a:t>
+            </a:r>
+            <a:r>
+              <a:rPr lang="sl-SI" dirty="0" smtClean="0"/>
+              <a:t> </a:t>
+            </a:r>
+            <a:r>
+              <a:rPr lang="sl-SI" dirty="0" err="1" smtClean="0"/>
+              <a:t>value</a:t>
+            </a:r>
+            <a:r>
+              <a:rPr lang="sl-SI" dirty="0" smtClean="0"/>
+              <a:t>:</a:t>
+            </a:r>
+          </a:p>
+          <a:p>
+            <a:pPr lvl="1"/>
+            <a:r>
+              <a:rPr lang="sl-SI" dirty="0" err="1" smtClean="0"/>
+              <a:t>Categorical</a:t>
+            </a:r>
+            <a:endParaRPr lang="sl-SI" dirty="0" smtClean="0"/>
+          </a:p>
+          <a:p>
+            <a:pPr lvl="2"/>
+            <a:r>
+              <a:rPr lang="sl-SI" dirty="0" smtClean="0"/>
+              <a:t>Nominal</a:t>
+            </a:r>
+          </a:p>
+          <a:p>
+            <a:pPr lvl="2"/>
+            <a:r>
+              <a:rPr lang="sl-SI" dirty="0" err="1" smtClean="0"/>
+              <a:t>Dichotomous</a:t>
+            </a:r>
+            <a:r>
+              <a:rPr lang="sl-SI" dirty="0" smtClean="0"/>
+              <a:t> / </a:t>
+            </a:r>
+            <a:r>
+              <a:rPr lang="sl-SI" dirty="0" err="1" smtClean="0"/>
+              <a:t>binary</a:t>
+            </a:r>
+            <a:r>
+              <a:rPr lang="sl-SI" dirty="0" smtClean="0"/>
+              <a:t> (</a:t>
+            </a:r>
+            <a:r>
+              <a:rPr lang="sl-SI" dirty="0" err="1" smtClean="0"/>
+              <a:t>Yes</a:t>
+            </a:r>
+            <a:r>
+              <a:rPr lang="sl-SI" dirty="0" smtClean="0"/>
+              <a:t>, No)</a:t>
+            </a:r>
+          </a:p>
+          <a:p>
+            <a:pPr lvl="2"/>
+            <a:r>
+              <a:rPr lang="sl-SI" dirty="0" err="1" smtClean="0"/>
+              <a:t>Ordinal</a:t>
+            </a:r>
+            <a:endParaRPr lang="sl-SI" dirty="0" smtClean="0"/>
+          </a:p>
+          <a:p>
+            <a:pPr lvl="1"/>
+            <a:r>
+              <a:rPr lang="sl-SI" dirty="0" err="1" smtClean="0"/>
+              <a:t>Continous</a:t>
+            </a:r>
+            <a:r>
+              <a:rPr lang="sl-SI" dirty="0" smtClean="0"/>
+              <a:t> / </a:t>
+            </a:r>
+            <a:r>
+              <a:rPr lang="sl-SI" dirty="0" err="1" smtClean="0"/>
+              <a:t>Numerical</a:t>
+            </a:r>
+            <a:endParaRPr lang="sl-SI" dirty="0" smtClean="0"/>
+          </a:p>
+          <a:p>
+            <a:pPr lvl="2"/>
+            <a:r>
+              <a:rPr lang="sl-SI" dirty="0" smtClean="0"/>
+              <a:t>Interval</a:t>
+            </a:r>
+          </a:p>
+          <a:p>
+            <a:pPr lvl="2"/>
+            <a:r>
+              <a:rPr lang="sl-SI" dirty="0" smtClean="0"/>
+              <a:t>Ratio</a:t>
+            </a:r>
+          </a:p>
+          <a:p>
+            <a:pPr marL="0" indent="0">
+              <a:buNone/>
+            </a:pPr>
+            <a:endParaRPr lang="sl-SI" dirty="0" smtClean="0"/>
+          </a:p>
+          <a:p>
             <a:endParaRPr lang="sl-SI" dirty="0" smtClean="0"/>
           </a:p>
           <a:p>
@@ -4419,10 +4950,214 @@
           </a:p>
         </p:txBody>
       </p:sp>
+      <p:sp>
+        <p:nvSpPr>
+          <p:cNvPr id="5" name="TextBox 4"/>
+          <p:cNvSpPr txBox="1"/>
+          <p:nvPr/>
+        </p:nvSpPr>
+        <p:spPr>
+          <a:xfrm>
+            <a:off x="4942702" y="2523966"/>
+            <a:ext cx="4040660" cy="1477328"/>
+          </a:xfrm>
+          <a:prstGeom prst="rect">
+            <a:avLst/>
+          </a:prstGeom>
+          <a:noFill/>
+        </p:spPr>
+        <p:txBody>
+          <a:bodyPr wrap="square" rtlCol="0">
+            <a:spAutoFit/>
+          </a:bodyPr>
+          <a:lstStyle/>
+          <a:p>
+            <a:r>
+              <a:rPr lang="sl-SI" dirty="0" err="1" smtClean="0"/>
+              <a:t>Ordinal</a:t>
+            </a:r>
+            <a:r>
+              <a:rPr lang="sl-SI" dirty="0" smtClean="0"/>
+              <a:t>:			Interval:</a:t>
+            </a:r>
+          </a:p>
+          <a:p>
+            <a:r>
+              <a:rPr lang="sl-SI" dirty="0" err="1" smtClean="0"/>
+              <a:t>Primary</a:t>
+            </a:r>
+            <a:r>
+              <a:rPr lang="sl-SI" dirty="0" smtClean="0"/>
+              <a:t> </a:t>
+            </a:r>
+            <a:r>
+              <a:rPr lang="sl-SI" dirty="0" err="1" smtClean="0"/>
+              <a:t>school</a:t>
+            </a:r>
+            <a:r>
+              <a:rPr lang="sl-SI" dirty="0" smtClean="0"/>
+              <a:t>      -&gt;</a:t>
+            </a:r>
+            <a:r>
+              <a:rPr lang="sl-SI" dirty="0"/>
+              <a:t> </a:t>
+            </a:r>
+            <a:r>
+              <a:rPr lang="sl-SI" dirty="0" smtClean="0"/>
+              <a:t> 4 </a:t>
+            </a:r>
+            <a:r>
+              <a:rPr lang="sl-SI" dirty="0" err="1" smtClean="0"/>
+              <a:t>Years</a:t>
+            </a:r>
+            <a:endParaRPr lang="sl-SI" dirty="0" smtClean="0"/>
+          </a:p>
+          <a:p>
+            <a:r>
+              <a:rPr lang="sl-SI" dirty="0" err="1" smtClean="0"/>
+              <a:t>Secondary</a:t>
+            </a:r>
+            <a:r>
+              <a:rPr lang="sl-SI" dirty="0" smtClean="0"/>
+              <a:t> </a:t>
+            </a:r>
+            <a:r>
+              <a:rPr lang="sl-SI" dirty="0" err="1" smtClean="0"/>
+              <a:t>school</a:t>
+            </a:r>
+            <a:r>
+              <a:rPr lang="sl-SI" dirty="0" smtClean="0"/>
+              <a:t>  -&gt; 4+4Years</a:t>
+            </a:r>
+          </a:p>
+          <a:p>
+            <a:r>
+              <a:rPr lang="sl-SI" dirty="0" err="1" smtClean="0"/>
+              <a:t>High</a:t>
+            </a:r>
+            <a:r>
+              <a:rPr lang="sl-SI" dirty="0" smtClean="0"/>
+              <a:t> </a:t>
+            </a:r>
+            <a:r>
+              <a:rPr lang="sl-SI" dirty="0" err="1" smtClean="0"/>
+              <a:t>School</a:t>
+            </a:r>
+            <a:r>
+              <a:rPr lang="sl-SI" dirty="0" smtClean="0"/>
+              <a:t>	       -&gt;4+4+4Years</a:t>
+            </a:r>
+          </a:p>
+          <a:p>
+            <a:r>
+              <a:rPr lang="sl-SI" dirty="0" err="1" smtClean="0"/>
+              <a:t>University</a:t>
+            </a:r>
+            <a:r>
+              <a:rPr lang="sl-SI" dirty="0" smtClean="0"/>
+              <a:t>	       -&gt;4+4+4+4(?)</a:t>
+            </a:r>
+            <a:r>
+              <a:rPr lang="sl-SI" dirty="0" err="1" smtClean="0"/>
+              <a:t>Years</a:t>
+            </a:r>
+            <a:r>
+              <a:rPr lang="sl-SI" dirty="0" smtClean="0"/>
+              <a:t> 	</a:t>
+            </a:r>
+            <a:endParaRPr lang="en-GB" dirty="0"/>
+          </a:p>
+        </p:txBody>
+      </p:sp>
+      <p:sp>
+        <p:nvSpPr>
+          <p:cNvPr id="6" name="TextBox 5"/>
+          <p:cNvSpPr txBox="1"/>
+          <p:nvPr/>
+        </p:nvSpPr>
+        <p:spPr>
+          <a:xfrm>
+            <a:off x="5035378" y="4717034"/>
+            <a:ext cx="3027405" cy="1477328"/>
+          </a:xfrm>
+          <a:prstGeom prst="rect">
+            <a:avLst/>
+          </a:prstGeom>
+          <a:noFill/>
+        </p:spPr>
+        <p:txBody>
+          <a:bodyPr wrap="square" rtlCol="0">
+            <a:spAutoFit/>
+          </a:bodyPr>
+          <a:lstStyle/>
+          <a:p>
+            <a:r>
+              <a:rPr lang="sl-SI" dirty="0" smtClean="0"/>
+              <a:t>Nominal: </a:t>
+            </a:r>
+            <a:r>
+              <a:rPr lang="sl-SI" dirty="0" err="1" smtClean="0"/>
+              <a:t>e.g</a:t>
+            </a:r>
+            <a:r>
+              <a:rPr lang="sl-SI" dirty="0" smtClean="0"/>
+              <a:t>: </a:t>
+            </a:r>
+            <a:r>
+              <a:rPr lang="sl-SI" dirty="0" err="1" smtClean="0"/>
+              <a:t>Color</a:t>
+            </a:r>
+            <a:r>
+              <a:rPr lang="sl-SI" dirty="0" smtClean="0"/>
+              <a:t> </a:t>
+            </a:r>
+            <a:r>
+              <a:rPr lang="sl-SI" dirty="0" err="1" smtClean="0"/>
+              <a:t>of</a:t>
+            </a:r>
+            <a:r>
+              <a:rPr lang="sl-SI" dirty="0" smtClean="0"/>
+              <a:t> </a:t>
+            </a:r>
+            <a:r>
+              <a:rPr lang="sl-SI" dirty="0" err="1" smtClean="0"/>
+              <a:t>eyes</a:t>
+            </a:r>
+            <a:endParaRPr lang="sl-SI" dirty="0" smtClean="0"/>
+          </a:p>
+          <a:p>
+            <a:r>
+              <a:rPr lang="sl-SI" dirty="0" err="1" smtClean="0"/>
+              <a:t>Blue</a:t>
+            </a:r>
+            <a:endParaRPr lang="sl-SI" dirty="0" smtClean="0"/>
+          </a:p>
+          <a:p>
+            <a:r>
+              <a:rPr lang="sl-SI" dirty="0" err="1" smtClean="0"/>
+              <a:t>Green</a:t>
+            </a:r>
+            <a:endParaRPr lang="sl-SI" dirty="0" smtClean="0"/>
+          </a:p>
+          <a:p>
+            <a:r>
+              <a:rPr lang="sl-SI" dirty="0" smtClean="0"/>
+              <a:t>Brown</a:t>
+            </a:r>
+          </a:p>
+          <a:p>
+            <a:r>
+              <a:rPr lang="sl-SI" dirty="0" smtClean="0"/>
+              <a:t>Black</a:t>
+            </a:r>
+            <a:endParaRPr lang="en-GB" dirty="0"/>
+          </a:p>
+        </p:txBody>
+      </p:sp>
     </p:spTree>
     <p:extLst>
       <p:ext uri="{BB962C8B-B14F-4D97-AF65-F5344CB8AC3E}">
-        <p14:creationId xmlns:p14="http://schemas.microsoft.com/office/powerpoint/2010/main" val="3536304118"/>
+        <p14:creationId xmlns:p14="http://schemas.microsoft.com/office/powerpoint/2010/main" val="2452284137"/>
       </p:ext>
     </p:extLst>
   </p:cSld>
@@ -4465,8 +5200,12 @@
           <a:lstStyle/>
           <a:p>
             <a:r>
-              <a:rPr lang="sl-SI" dirty="0" err="1" smtClean="0"/>
-              <a:t>Outliers</a:t>
+              <a:rPr lang="sl-SI" dirty="0" smtClean="0"/>
+              <a:t>NULL </a:t>
+            </a:r>
+            <a:r>
+              <a:rPr lang="sl-SI" dirty="0" err="1" smtClean="0"/>
+              <a:t>Values</a:t>
             </a:r>
             <a:endParaRPr lang="en-GB" dirty="0"/>
           </a:p>
@@ -4474,12 +5213,12 @@
       </p:sp>
       <p:sp>
         <p:nvSpPr>
-          <p:cNvPr id="4" name="Slide Number Placeholder 3"/>
-          <p:cNvSpPr>
-            <a:spLocks noGrp="1"/>
-          </p:cNvSpPr>
-          <p:nvPr>
-            <p:ph type="sldNum" sz="quarter" idx="12"/>
+          <p:cNvPr id="3" name="Content Placeholder 2"/>
+          <p:cNvSpPr>
+            <a:spLocks noGrp="1"/>
+          </p:cNvSpPr>
+          <p:nvPr>
+            <p:ph idx="1"/>
           </p:nvPr>
         </p:nvSpPr>
         <p:spPr/>
@@ -4487,9 +5226,279 @@
           <a:bodyPr/>
           <a:lstStyle/>
           <a:p>
+            <a:r>
+              <a:rPr lang="sl-SI" dirty="0" err="1" smtClean="0"/>
+              <a:t>Why</a:t>
+            </a:r>
+            <a:r>
+              <a:rPr lang="sl-SI" dirty="0" smtClean="0"/>
+              <a:t>?</a:t>
+            </a:r>
+          </a:p>
+          <a:p>
+            <a:r>
+              <a:rPr lang="sl-SI" dirty="0" err="1" smtClean="0"/>
+              <a:t>What</a:t>
+            </a:r>
+            <a:r>
+              <a:rPr lang="sl-SI" dirty="0" smtClean="0"/>
+              <a:t> to do? </a:t>
+            </a:r>
+            <a:r>
+              <a:rPr lang="sl-SI" dirty="0" err="1" smtClean="0"/>
+              <a:t>Khm</a:t>
+            </a:r>
+            <a:r>
+              <a:rPr lang="sl-SI" dirty="0" smtClean="0"/>
+              <a:t>?</a:t>
+            </a:r>
+          </a:p>
+          <a:p>
+            <a:r>
+              <a:rPr lang="sl-SI" dirty="0" err="1" smtClean="0"/>
+              <a:t>Deletion</a:t>
+            </a:r>
+            <a:r>
+              <a:rPr lang="sl-SI" dirty="0" smtClean="0"/>
+              <a:t>: </a:t>
+            </a:r>
+            <a:r>
+              <a:rPr lang="sl-SI" dirty="0" err="1" smtClean="0"/>
+              <a:t>Listwise</a:t>
+            </a:r>
+            <a:r>
+              <a:rPr lang="sl-SI" dirty="0" smtClean="0"/>
+              <a:t> </a:t>
+            </a:r>
+            <a:r>
+              <a:rPr lang="sl-SI" dirty="0" err="1" smtClean="0"/>
+              <a:t>vs</a:t>
+            </a:r>
+            <a:r>
+              <a:rPr lang="sl-SI" dirty="0" smtClean="0"/>
+              <a:t>. </a:t>
+            </a:r>
+            <a:r>
+              <a:rPr lang="sl-SI" dirty="0" err="1" smtClean="0"/>
+              <a:t>Pairwise</a:t>
+            </a:r>
+            <a:r>
+              <a:rPr lang="sl-SI" dirty="0" smtClean="0"/>
+              <a:t> </a:t>
+            </a:r>
+          </a:p>
+          <a:p>
+            <a:r>
+              <a:rPr lang="sl-SI" dirty="0" err="1" smtClean="0"/>
+              <a:t>Replacement</a:t>
+            </a:r>
+            <a:r>
+              <a:rPr lang="sl-SI" dirty="0"/>
+              <a:t> </a:t>
+            </a:r>
+            <a:r>
+              <a:rPr lang="sl-SI" dirty="0" smtClean="0"/>
+              <a:t>/ </a:t>
+            </a:r>
+            <a:r>
+              <a:rPr lang="sl-SI" dirty="0" err="1" smtClean="0"/>
+              <a:t>Imputating</a:t>
+            </a:r>
+            <a:r>
+              <a:rPr lang="sl-SI" dirty="0" smtClean="0"/>
+              <a:t>:</a:t>
+            </a:r>
+          </a:p>
+          <a:p>
+            <a:pPr lvl="1"/>
+            <a:r>
+              <a:rPr lang="sl-SI" dirty="0" err="1" smtClean="0"/>
+              <a:t>With</a:t>
+            </a:r>
+            <a:r>
+              <a:rPr lang="sl-SI" dirty="0" smtClean="0"/>
+              <a:t> </a:t>
+            </a:r>
+            <a:r>
+              <a:rPr lang="sl-SI" dirty="0" err="1" smtClean="0"/>
+              <a:t>mean</a:t>
+            </a:r>
+            <a:endParaRPr lang="sl-SI" dirty="0" smtClean="0"/>
+          </a:p>
+          <a:p>
+            <a:pPr lvl="1"/>
+            <a:r>
+              <a:rPr lang="sl-SI" dirty="0" err="1" smtClean="0"/>
+              <a:t>with</a:t>
+            </a:r>
+            <a:r>
+              <a:rPr lang="sl-SI" dirty="0" smtClean="0"/>
+              <a:t> </a:t>
+            </a:r>
+            <a:r>
+              <a:rPr lang="sl-SI" dirty="0" err="1" smtClean="0"/>
+              <a:t>coffee</a:t>
+            </a:r>
+            <a:r>
+              <a:rPr lang="sl-SI" dirty="0" smtClean="0"/>
+              <a:t> </a:t>
+            </a:r>
+            <a:r>
+              <a:rPr lang="sl-SI" dirty="0" err="1" smtClean="0"/>
+              <a:t>and</a:t>
+            </a:r>
+            <a:r>
+              <a:rPr lang="sl-SI" dirty="0" smtClean="0"/>
+              <a:t> </a:t>
+            </a:r>
+            <a:r>
+              <a:rPr lang="sl-SI" dirty="0" err="1" smtClean="0"/>
+              <a:t>cigarettes</a:t>
+            </a:r>
+            <a:endParaRPr lang="sl-SI" dirty="0" smtClean="0"/>
+          </a:p>
+          <a:p>
+            <a:pPr lvl="1"/>
+            <a:r>
+              <a:rPr lang="sl-SI" dirty="0" err="1" smtClean="0"/>
+              <a:t>With</a:t>
+            </a:r>
+            <a:r>
+              <a:rPr lang="sl-SI" dirty="0" smtClean="0"/>
+              <a:t> </a:t>
+            </a:r>
+            <a:r>
+              <a:rPr lang="sl-SI" dirty="0" err="1" smtClean="0"/>
+              <a:t>regression</a:t>
+            </a:r>
+            <a:r>
+              <a:rPr lang="sl-SI" dirty="0" smtClean="0"/>
+              <a:t> </a:t>
+            </a:r>
+            <a:r>
+              <a:rPr lang="sl-SI" dirty="0" err="1" smtClean="0"/>
+              <a:t>coefficients</a:t>
+            </a:r>
+            <a:endParaRPr lang="sl-SI" dirty="0" smtClean="0"/>
+          </a:p>
+          <a:p>
+            <a:pPr lvl="1"/>
+            <a:endParaRPr lang="sl-SI" dirty="0" smtClean="0"/>
+          </a:p>
+          <a:p>
+            <a:pPr lvl="1"/>
+            <a:endParaRPr lang="sl-SI" dirty="0" smtClean="0"/>
+          </a:p>
+          <a:p>
+            <a:endParaRPr lang="en-GB" dirty="0"/>
+          </a:p>
+        </p:txBody>
+      </p:sp>
+      <p:sp>
+        <p:nvSpPr>
+          <p:cNvPr id="4" name="Slide Number Placeholder 3"/>
+          <p:cNvSpPr>
+            <a:spLocks noGrp="1"/>
+          </p:cNvSpPr>
+          <p:nvPr>
+            <p:ph type="sldNum" sz="quarter" idx="12"/>
+          </p:nvPr>
+        </p:nvSpPr>
+        <p:spPr/>
+        <p:txBody>
+          <a:bodyPr/>
+          <a:lstStyle/>
+          <a:p>
             <a:fld id="{D57F1E4F-1CFF-5643-939E-02111984F565}" type="slidenum">
               <a:rPr lang="en-US" smtClean="0"/>
               <a:t>6</a:t>
+            </a:fld>
+            <a:endParaRPr lang="en-US" dirty="0"/>
+          </a:p>
+        </p:txBody>
+      </p:sp>
+    </p:spTree>
+    <p:extLst>
+      <p:ext uri="{BB962C8B-B14F-4D97-AF65-F5344CB8AC3E}">
+        <p14:creationId xmlns:p14="http://schemas.microsoft.com/office/powerpoint/2010/main" val="3536304118"/>
+      </p:ext>
+    </p:extLst>
+  </p:cSld>
+  <p:clrMapOvr>
+    <a:masterClrMapping/>
+  </p:clrMapOvr>
+</p:sld>
+</file>
+
+<file path=ppt/slides/slide7.xml><?xml version="1.0" encoding="utf-8"?>
+<p:sld xmlns:a="http://schemas.openxmlformats.org/drawingml/2006/main" xmlns:r="http://schemas.openxmlformats.org/officeDocument/2006/relationships" xmlns:p="http://schemas.openxmlformats.org/presentationml/2006/main">
+  <p:cSld>
+    <p:spTree>
+      <p:nvGrpSpPr>
+        <p:cNvPr id="1" name=""/>
+        <p:cNvGrpSpPr/>
+        <p:nvPr/>
+      </p:nvGrpSpPr>
+      <p:grpSpPr>
+        <a:xfrm>
+          <a:off x="0" y="0"/>
+          <a:ext cx="0" cy="0"/>
+          <a:chOff x="0" y="0"/>
+          <a:chExt cx="0" cy="0"/>
+        </a:xfrm>
+      </p:grpSpPr>
+      <p:sp>
+        <p:nvSpPr>
+          <p:cNvPr id="2" name="Title 1"/>
+          <p:cNvSpPr>
+            <a:spLocks noGrp="1"/>
+          </p:cNvSpPr>
+          <p:nvPr>
+            <p:ph type="title"/>
+          </p:nvPr>
+        </p:nvSpPr>
+        <p:spPr/>
+        <p:txBody>
+          <a:bodyPr/>
+          <a:lstStyle/>
+          <a:p>
+            <a:r>
+              <a:rPr lang="sl-SI" dirty="0" smtClean="0"/>
+              <a:t>„</a:t>
+            </a:r>
+            <a:r>
+              <a:rPr lang="sl-SI" dirty="0" err="1" smtClean="0"/>
+              <a:t>Outlier</a:t>
+            </a:r>
+            <a:r>
+              <a:rPr lang="sl-SI" dirty="0" smtClean="0"/>
+              <a:t>“</a:t>
+            </a:r>
+            <a:br>
+              <a:rPr lang="sl-SI" dirty="0" smtClean="0"/>
+            </a:br>
+            <a:endParaRPr lang="en-GB" dirty="0"/>
+          </a:p>
+        </p:txBody>
+      </p:sp>
+      <p:sp>
+        <p:nvSpPr>
+          <p:cNvPr id="4" name="Slide Number Placeholder 3"/>
+          <p:cNvSpPr>
+            <a:spLocks noGrp="1"/>
+          </p:cNvSpPr>
+          <p:nvPr>
+            <p:ph type="sldNum" sz="quarter" idx="12"/>
+          </p:nvPr>
+        </p:nvSpPr>
+        <p:spPr/>
+        <p:txBody>
+          <a:bodyPr/>
+          <a:lstStyle/>
+          <a:p>
+            <a:fld id="{D57F1E4F-1CFF-5643-939E-02111984F565}" type="slidenum">
+              <a:rPr lang="en-US" smtClean="0"/>
+              <a:t>7</a:t>
             </a:fld>
             <a:endParaRPr lang="en-US" dirty="0"/>
           </a:p>
@@ -4590,168 +5599,6 @@
 </p:sld>
 </file>
 
-<file path=ppt/slides/slide7.xml><?xml version="1.0" encoding="utf-8"?>
-<p:sld xmlns:a="http://schemas.openxmlformats.org/drawingml/2006/main" xmlns:r="http://schemas.openxmlformats.org/officeDocument/2006/relationships" xmlns:p="http://schemas.openxmlformats.org/presentationml/2006/main">
-  <p:cSld>
-    <p:spTree>
-      <p:nvGrpSpPr>
-        <p:cNvPr id="1" name=""/>
-        <p:cNvGrpSpPr/>
-        <p:nvPr/>
-      </p:nvGrpSpPr>
-      <p:grpSpPr>
-        <a:xfrm>
-          <a:off x="0" y="0"/>
-          <a:ext cx="0" cy="0"/>
-          <a:chOff x="0" y="0"/>
-          <a:chExt cx="0" cy="0"/>
-        </a:xfrm>
-      </p:grpSpPr>
-      <p:sp>
-        <p:nvSpPr>
-          <p:cNvPr id="2" name="Title 1"/>
-          <p:cNvSpPr>
-            <a:spLocks noGrp="1"/>
-          </p:cNvSpPr>
-          <p:nvPr>
-            <p:ph type="title"/>
-          </p:nvPr>
-        </p:nvSpPr>
-        <p:spPr/>
-        <p:txBody>
-          <a:bodyPr/>
-          <a:lstStyle/>
-          <a:p>
-            <a:r>
-              <a:rPr lang="sl-SI" dirty="0" err="1" smtClean="0"/>
-              <a:t>Outlier</a:t>
-            </a:r>
-            <a:endParaRPr lang="en-GB" dirty="0"/>
-          </a:p>
-        </p:txBody>
-      </p:sp>
-      <p:sp>
-        <p:nvSpPr>
-          <p:cNvPr id="3" name="Content Placeholder 2"/>
-          <p:cNvSpPr>
-            <a:spLocks noGrp="1"/>
-          </p:cNvSpPr>
-          <p:nvPr>
-            <p:ph idx="1"/>
-          </p:nvPr>
-        </p:nvSpPr>
-        <p:spPr/>
-        <p:txBody>
-          <a:bodyPr/>
-          <a:lstStyle/>
-          <a:p>
-            <a:r>
-              <a:rPr lang="sl-SI" dirty="0" err="1" smtClean="0"/>
-              <a:t>Many</a:t>
-            </a:r>
-            <a:r>
-              <a:rPr lang="sl-SI" dirty="0" smtClean="0"/>
-              <a:t> </a:t>
-            </a:r>
-            <a:r>
-              <a:rPr lang="sl-SI" dirty="0" err="1" smtClean="0"/>
-              <a:t>anecdotes</a:t>
-            </a:r>
-            <a:endParaRPr lang="sl-SI" dirty="0" smtClean="0"/>
-          </a:p>
-          <a:p>
-            <a:r>
-              <a:rPr lang="sl-SI" dirty="0" err="1" smtClean="0"/>
-              <a:t>Result</a:t>
-            </a:r>
-            <a:r>
-              <a:rPr lang="sl-SI" dirty="0" smtClean="0"/>
-              <a:t> </a:t>
-            </a:r>
-            <a:r>
-              <a:rPr lang="sl-SI" dirty="0" err="1" smtClean="0"/>
-              <a:t>of</a:t>
-            </a:r>
-            <a:r>
-              <a:rPr lang="sl-SI" dirty="0" smtClean="0"/>
-              <a:t> </a:t>
-            </a:r>
-            <a:r>
-              <a:rPr lang="sl-SI" dirty="0" err="1" smtClean="0"/>
-              <a:t>poor</a:t>
-            </a:r>
-            <a:r>
-              <a:rPr lang="sl-SI" dirty="0" smtClean="0"/>
-              <a:t> design</a:t>
-            </a:r>
-          </a:p>
-          <a:p>
-            <a:r>
-              <a:rPr lang="sl-SI" dirty="0" err="1" smtClean="0"/>
-              <a:t>Many</a:t>
-            </a:r>
-            <a:r>
-              <a:rPr lang="sl-SI" dirty="0" smtClean="0"/>
-              <a:t> </a:t>
-            </a:r>
-            <a:r>
-              <a:rPr lang="sl-SI" dirty="0" err="1" smtClean="0"/>
-              <a:t>times</a:t>
-            </a:r>
-            <a:r>
-              <a:rPr lang="sl-SI" dirty="0" smtClean="0"/>
-              <a:t> </a:t>
-            </a:r>
-            <a:r>
-              <a:rPr lang="sl-SI" dirty="0" err="1" smtClean="0"/>
-              <a:t>overlooked</a:t>
-            </a:r>
-            <a:endParaRPr lang="sl-SI" dirty="0" smtClean="0"/>
-          </a:p>
-          <a:p>
-            <a:endParaRPr lang="sl-SI" dirty="0" smtClean="0"/>
-          </a:p>
-          <a:p>
-            <a:endParaRPr lang="en-GB" dirty="0"/>
-          </a:p>
-        </p:txBody>
-      </p:sp>
-      <p:sp>
-        <p:nvSpPr>
-          <p:cNvPr id="4" name="Slide Number Placeholder 3"/>
-          <p:cNvSpPr>
-            <a:spLocks noGrp="1"/>
-          </p:cNvSpPr>
-          <p:nvPr>
-            <p:ph type="sldNum" sz="quarter" idx="12"/>
-          </p:nvPr>
-        </p:nvSpPr>
-        <p:spPr/>
-        <p:txBody>
-          <a:bodyPr/>
-          <a:lstStyle/>
-          <a:p>
-            <a:fld id="{D57F1E4F-1CFF-5643-939E-02111984F565}" type="slidenum">
-              <a:rPr lang="en-US" smtClean="0"/>
-              <a:t>7</a:t>
-            </a:fld>
-            <a:endParaRPr lang="en-US" dirty="0"/>
-          </a:p>
-        </p:txBody>
-      </p:sp>
-    </p:spTree>
-    <p:extLst>
-      <p:ext uri="{BB962C8B-B14F-4D97-AF65-F5344CB8AC3E}">
-        <p14:creationId xmlns:p14="http://schemas.microsoft.com/office/powerpoint/2010/main" val="177606166"/>
-      </p:ext>
-    </p:extLst>
-  </p:cSld>
-  <p:clrMapOvr>
-    <a:masterClrMapping/>
-  </p:clrMapOvr>
-</p:sld>
-</file>
-
 <file path=ppt/slides/slide8.xml><?xml version="1.0" encoding="utf-8"?>
 <p:sld xmlns:a="http://schemas.openxmlformats.org/drawingml/2006/main" xmlns:r="http://schemas.openxmlformats.org/officeDocument/2006/relationships" xmlns:p="http://schemas.openxmlformats.org/presentationml/2006/main">
   <p:cSld>
@@ -4771,13 +5618,7 @@
       </p:grpSpPr>
       <p:sp>
         <p:nvSpPr>
-          <p:cNvPr id="2" name="Title 1">
-            <a:extLst>
-              <a:ext uri="{FF2B5EF4-FFF2-40B4-BE49-F238E27FC236}">
-                <a16:creationId xmlns:a16="http://schemas.microsoft.com/office/drawing/2014/main" id="{41C4104F-2EAE-451C-8A4D-37A79430A29B}"/>
-              </a:ext>
-            </a:extLst>
-          </p:cNvPr>
+          <p:cNvPr id="2" name="Title 1"/>
           <p:cNvSpPr>
             <a:spLocks noGrp="1"/>
           </p:cNvSpPr>
@@ -4792,45 +5633,15 @@
           <a:p>
             <a:r>
               <a:rPr lang="sl-SI" dirty="0" err="1" smtClean="0"/>
-              <a:t>Give</a:t>
-            </a:r>
-            <a:r>
-              <a:rPr lang="sl-SI" dirty="0" smtClean="0"/>
-              <a:t> </a:t>
-            </a:r>
-            <a:r>
-              <a:rPr lang="sl-SI" dirty="0" err="1" smtClean="0"/>
-              <a:t>us</a:t>
-            </a:r>
-            <a:r>
-              <a:rPr lang="sl-SI" dirty="0" smtClean="0"/>
-              <a:t> </a:t>
-            </a:r>
-            <a:r>
-              <a:rPr lang="sl-SI" dirty="0" err="1" smtClean="0"/>
-              <a:t>your</a:t>
-            </a:r>
-            <a:r>
-              <a:rPr lang="sl-SI" dirty="0" smtClean="0"/>
-              <a:t> </a:t>
-            </a:r>
-            <a:r>
-              <a:rPr lang="sl-SI" dirty="0" err="1" smtClean="0"/>
-              <a:t>feedback</a:t>
-            </a:r>
-            <a:endParaRPr lang="LID4096" dirty="0"/>
-          </a:p>
-        </p:txBody>
-      </p:sp>
-      <p:sp>
-        <p:nvSpPr>
-          <p:cNvPr id="3" name="Content Placeholder 2">
-            <a:extLst>
-              <a:ext uri="{FF2B5EF4-FFF2-40B4-BE49-F238E27FC236}">
-                <a16:creationId xmlns:a16="http://schemas.microsoft.com/office/drawing/2014/main" id="{BA63B557-217E-4415-9B56-994EE26BBAE4}"/>
-              </a:ext>
-            </a:extLst>
-          </p:cNvPr>
+              <a:t>Outlier</a:t>
+            </a:r>
+            <a:endParaRPr lang="en-GB" dirty="0"/>
+          </a:p>
+        </p:txBody>
+      </p:sp>
+      <p:sp>
+        <p:nvSpPr>
+          <p:cNvPr id="3" name="Content Placeholder 2"/>
           <p:cNvSpPr>
             <a:spLocks noGrp="1"/>
           </p:cNvSpPr>
@@ -4840,249 +5651,416 @@
         </p:nvSpPr>
         <p:spPr/>
         <p:txBody>
-          <a:bodyPr>
-            <a:normAutofit/>
-          </a:bodyPr>
+          <a:bodyPr/>
           <a:lstStyle/>
           <a:p>
             <a:r>
               <a:rPr lang="sl-SI" dirty="0" err="1" smtClean="0"/>
-              <a:t>Give</a:t>
-            </a:r>
-            <a:r>
-              <a:rPr lang="sl-SI" dirty="0" smtClean="0"/>
-              <a:t> </a:t>
-            </a:r>
-            <a:r>
-              <a:rPr lang="sl-SI" dirty="0" err="1" smtClean="0"/>
-              <a:t>us</a:t>
-            </a:r>
-            <a:r>
-              <a:rPr lang="sl-SI" dirty="0" smtClean="0"/>
-              <a:t> </a:t>
-            </a:r>
-            <a:r>
-              <a:rPr lang="sl-SI" dirty="0" err="1" smtClean="0"/>
-              <a:t>your</a:t>
-            </a:r>
-            <a:r>
-              <a:rPr lang="sl-SI" dirty="0" smtClean="0"/>
-              <a:t> </a:t>
-            </a:r>
-            <a:r>
-              <a:rPr lang="sl-SI" dirty="0" err="1" smtClean="0"/>
-              <a:t>feedback</a:t>
+              <a:t>Many</a:t>
+            </a:r>
+            <a:r>
+              <a:rPr lang="sl-SI" dirty="0" smtClean="0"/>
+              <a:t> </a:t>
+            </a:r>
+            <a:r>
+              <a:rPr lang="sl-SI" dirty="0" err="1" smtClean="0"/>
+              <a:t>anecdotes</a:t>
             </a:r>
             <a:endParaRPr lang="sl-SI" dirty="0" smtClean="0"/>
           </a:p>
           <a:p>
             <a:r>
-              <a:rPr lang="sl-SI" dirty="0" smtClean="0"/>
-              <a:t>How </a:t>
-            </a:r>
-            <a:r>
-              <a:rPr lang="sl-SI" dirty="0" err="1" smtClean="0"/>
-              <a:t>usefull</a:t>
-            </a:r>
-            <a:r>
-              <a:rPr lang="sl-SI" dirty="0" smtClean="0"/>
-              <a:t> / </a:t>
-            </a:r>
-            <a:r>
-              <a:rPr lang="sl-SI" dirty="0" err="1" smtClean="0"/>
-              <a:t>useless</a:t>
-            </a:r>
-            <a:r>
-              <a:rPr lang="sl-SI" dirty="0" smtClean="0"/>
-              <a:t> </a:t>
-            </a:r>
-            <a:r>
-              <a:rPr lang="sl-SI" dirty="0" err="1" smtClean="0"/>
-              <a:t>did</a:t>
-            </a:r>
-            <a:r>
-              <a:rPr lang="sl-SI" dirty="0" smtClean="0"/>
-              <a:t> </a:t>
-            </a:r>
-            <a:r>
-              <a:rPr lang="sl-SI" dirty="0" err="1" smtClean="0"/>
-              <a:t>you</a:t>
-            </a:r>
-            <a:r>
-              <a:rPr lang="sl-SI" dirty="0" smtClean="0"/>
-              <a:t> </a:t>
-            </a:r>
-            <a:r>
-              <a:rPr lang="sl-SI" dirty="0" err="1" smtClean="0"/>
-              <a:t>find</a:t>
-            </a:r>
-            <a:r>
-              <a:rPr lang="sl-SI" dirty="0" smtClean="0"/>
-              <a:t> </a:t>
-            </a:r>
-            <a:r>
-              <a:rPr lang="sl-SI" dirty="0" err="1" smtClean="0"/>
-              <a:t>this</a:t>
-            </a:r>
-            <a:r>
-              <a:rPr lang="sl-SI" dirty="0" smtClean="0"/>
-              <a:t> </a:t>
-            </a:r>
-            <a:r>
-              <a:rPr lang="sl-SI" dirty="0" err="1" smtClean="0"/>
-              <a:t>workshop</a:t>
-            </a:r>
-            <a:r>
-              <a:rPr lang="sl-SI" dirty="0" smtClean="0"/>
-              <a:t>?</a:t>
-            </a:r>
-          </a:p>
-          <a:p>
-            <a:r>
-              <a:rPr lang="sl-SI" dirty="0" err="1" smtClean="0"/>
-              <a:t>What</a:t>
-            </a:r>
-            <a:r>
-              <a:rPr lang="sl-SI" dirty="0" smtClean="0"/>
-              <a:t> </a:t>
-            </a:r>
-            <a:r>
-              <a:rPr lang="sl-SI" dirty="0" err="1" smtClean="0"/>
-              <a:t>would</a:t>
-            </a:r>
-            <a:r>
-              <a:rPr lang="sl-SI" dirty="0" smtClean="0"/>
-              <a:t> make it </a:t>
-            </a:r>
-            <a:r>
-              <a:rPr lang="sl-SI" dirty="0" err="1" smtClean="0"/>
-              <a:t>better</a:t>
-            </a:r>
-            <a:r>
-              <a:rPr lang="sl-SI" dirty="0" smtClean="0"/>
-              <a:t>?</a:t>
-            </a:r>
+              <a:rPr lang="sl-SI" dirty="0" err="1" smtClean="0"/>
+              <a:t>Result</a:t>
+            </a:r>
+            <a:r>
+              <a:rPr lang="sl-SI" dirty="0" smtClean="0"/>
+              <a:t> </a:t>
+            </a:r>
+            <a:r>
+              <a:rPr lang="sl-SI" dirty="0" err="1" smtClean="0"/>
+              <a:t>of</a:t>
+            </a:r>
+            <a:r>
+              <a:rPr lang="sl-SI" dirty="0" smtClean="0"/>
+              <a:t> </a:t>
+            </a:r>
+            <a:r>
+              <a:rPr lang="sl-SI" dirty="0" err="1" smtClean="0"/>
+              <a:t>poor</a:t>
+            </a:r>
+            <a:r>
+              <a:rPr lang="sl-SI" dirty="0" smtClean="0"/>
+              <a:t> design</a:t>
+            </a:r>
+          </a:p>
+          <a:p>
+            <a:r>
+              <a:rPr lang="sl-SI" dirty="0" err="1" smtClean="0"/>
+              <a:t>Many</a:t>
+            </a:r>
+            <a:r>
+              <a:rPr lang="sl-SI" dirty="0" smtClean="0"/>
+              <a:t> </a:t>
+            </a:r>
+            <a:r>
+              <a:rPr lang="sl-SI" dirty="0" err="1" smtClean="0"/>
+              <a:t>times</a:t>
+            </a:r>
+            <a:r>
+              <a:rPr lang="sl-SI" dirty="0" smtClean="0"/>
+              <a:t> </a:t>
+            </a:r>
+            <a:r>
+              <a:rPr lang="sl-SI" dirty="0" err="1" smtClean="0"/>
+              <a:t>overlooked</a:t>
+            </a:r>
+            <a:endParaRPr lang="sl-SI" dirty="0" smtClean="0"/>
+          </a:p>
+          <a:p>
+            <a:r>
+              <a:rPr lang="sl-SI" dirty="0" err="1" smtClean="0"/>
+              <a:t>Finding</a:t>
+            </a:r>
+            <a:r>
+              <a:rPr lang="sl-SI" dirty="0" smtClean="0"/>
+              <a:t>: </a:t>
+            </a:r>
+            <a:r>
+              <a:rPr lang="sl-SI" dirty="0" err="1" smtClean="0"/>
+              <a:t>e.g</a:t>
+            </a:r>
+            <a:r>
+              <a:rPr lang="sl-SI" dirty="0" smtClean="0"/>
+              <a:t>.:  </a:t>
+            </a:r>
+            <a:r>
+              <a:rPr lang="sl-SI" dirty="0" err="1" smtClean="0"/>
+              <a:t>Cook‘s</a:t>
+            </a:r>
+            <a:r>
+              <a:rPr lang="sl-SI" dirty="0" smtClean="0"/>
+              <a:t> distance</a:t>
+            </a:r>
+          </a:p>
+          <a:p>
+            <a:pPr lvl="1"/>
             <a:endParaRPr lang="sl-SI" dirty="0"/>
           </a:p>
           <a:p>
-            <a:r>
-              <a:rPr lang="sl-SI" dirty="0" err="1" smtClean="0"/>
-              <a:t>Was</a:t>
-            </a:r>
-            <a:r>
-              <a:rPr lang="sl-SI" dirty="0" smtClean="0"/>
-              <a:t> a </a:t>
-            </a:r>
-            <a:r>
-              <a:rPr lang="sl-SI" dirty="0" err="1" smtClean="0"/>
-              <a:t>particular</a:t>
-            </a:r>
-            <a:r>
-              <a:rPr lang="sl-SI" dirty="0" smtClean="0"/>
-              <a:t> </a:t>
-            </a:r>
-            <a:r>
-              <a:rPr lang="sl-SI" dirty="0" err="1" smtClean="0"/>
-              <a:t>topic</a:t>
-            </a:r>
-            <a:r>
-              <a:rPr lang="sl-SI" dirty="0" smtClean="0"/>
-              <a:t> </a:t>
-            </a:r>
-            <a:r>
-              <a:rPr lang="sl-SI" dirty="0" err="1" smtClean="0"/>
-              <a:t>left</a:t>
-            </a:r>
-            <a:r>
-              <a:rPr lang="sl-SI" dirty="0" smtClean="0"/>
-              <a:t> out?</a:t>
-            </a:r>
-          </a:p>
-          <a:p>
-            <a:r>
-              <a:rPr lang="sl-SI" dirty="0" err="1" smtClean="0"/>
-              <a:t>Would</a:t>
-            </a:r>
-            <a:r>
-              <a:rPr lang="sl-SI" dirty="0" smtClean="0"/>
-              <a:t> </a:t>
-            </a:r>
-            <a:r>
-              <a:rPr lang="sl-SI" dirty="0" err="1" smtClean="0"/>
-              <a:t>you</a:t>
-            </a:r>
-            <a:r>
-              <a:rPr lang="sl-SI" dirty="0" smtClean="0"/>
-              <a:t> </a:t>
-            </a:r>
-            <a:r>
-              <a:rPr lang="sl-SI" dirty="0" err="1" smtClean="0"/>
-              <a:t>recommend</a:t>
-            </a:r>
-            <a:r>
-              <a:rPr lang="sl-SI" dirty="0" smtClean="0"/>
-              <a:t> </a:t>
-            </a:r>
-            <a:r>
-              <a:rPr lang="sl-SI" dirty="0" err="1" smtClean="0"/>
-              <a:t>this</a:t>
-            </a:r>
-            <a:r>
-              <a:rPr lang="sl-SI" dirty="0" smtClean="0"/>
-              <a:t> </a:t>
-            </a:r>
-            <a:r>
-              <a:rPr lang="sl-SI" dirty="0" err="1" smtClean="0"/>
-              <a:t>workshop</a:t>
-            </a:r>
-            <a:r>
-              <a:rPr lang="sl-SI" dirty="0" smtClean="0"/>
-              <a:t> to </a:t>
-            </a:r>
-            <a:r>
-              <a:rPr lang="sl-SI" dirty="0" err="1" smtClean="0"/>
-              <a:t>your</a:t>
-            </a:r>
-            <a:r>
-              <a:rPr lang="sl-SI" dirty="0" smtClean="0"/>
-              <a:t> </a:t>
-            </a:r>
-            <a:r>
-              <a:rPr lang="sl-SI" dirty="0" err="1" smtClean="0"/>
-              <a:t>collegue</a:t>
-            </a:r>
-            <a:r>
-              <a:rPr lang="sl-SI" dirty="0" smtClean="0"/>
-              <a:t>?</a:t>
-            </a:r>
-          </a:p>
-          <a:p>
-            <a:endParaRPr lang="sl-SI" dirty="0"/>
-          </a:p>
-          <a:p>
             <a:endParaRPr lang="sl-SI" dirty="0" smtClean="0"/>
           </a:p>
           <a:p>
-            <a:r>
-              <a:rPr lang="sl-SI" dirty="0" err="1" smtClean="0"/>
-              <a:t>Email</a:t>
-            </a:r>
-            <a:r>
-              <a:rPr lang="sl-SI" dirty="0" smtClean="0"/>
-              <a:t> to: </a:t>
-            </a:r>
-            <a:r>
-              <a:rPr lang="sl-SI" dirty="0" err="1" smtClean="0"/>
-              <a:t>flafla@flafla.flafla</a:t>
-            </a:r>
-            <a:endParaRPr lang="sl-SI" dirty="0"/>
+            <a:endParaRPr lang="sl-SI" dirty="0" smtClean="0"/>
+          </a:p>
+          <a:p>
+            <a:endParaRPr lang="en-GB" dirty="0"/>
+          </a:p>
+        </p:txBody>
+      </p:sp>
+      <p:sp>
+        <p:nvSpPr>
+          <p:cNvPr id="4" name="Slide Number Placeholder 3"/>
+          <p:cNvSpPr>
+            <a:spLocks noGrp="1"/>
+          </p:cNvSpPr>
+          <p:nvPr>
+            <p:ph type="sldNum" sz="quarter" idx="12"/>
+          </p:nvPr>
+        </p:nvSpPr>
+        <p:spPr/>
+        <p:txBody>
+          <a:bodyPr/>
+          <a:lstStyle/>
+          <a:p>
+            <a:fld id="{D57F1E4F-1CFF-5643-939E-02111984F565}" type="slidenum">
+              <a:rPr lang="en-US" smtClean="0"/>
+              <a:t>8</a:t>
+            </a:fld>
+            <a:endParaRPr lang="en-US" dirty="0"/>
           </a:p>
         </p:txBody>
       </p:sp>
     </p:spTree>
     <p:extLst>
       <p:ext uri="{BB962C8B-B14F-4D97-AF65-F5344CB8AC3E}">
-        <p14:creationId xmlns:p14="http://schemas.microsoft.com/office/powerpoint/2010/main" val="3576103347"/>
+        <p14:creationId xmlns:p14="http://schemas.microsoft.com/office/powerpoint/2010/main" val="177606166"/>
+      </p:ext>
+    </p:extLst>
+  </p:cSld>
+  <p:clrMapOvr>
+    <a:masterClrMapping/>
+  </p:clrMapOvr>
+</p:sld>
+</file>
+
+<file path=ppt/slides/slide9.xml><?xml version="1.0" encoding="utf-8"?>
+<p:sld xmlns:a="http://schemas.openxmlformats.org/drawingml/2006/main" xmlns:r="http://schemas.openxmlformats.org/officeDocument/2006/relationships" xmlns:p="http://schemas.openxmlformats.org/presentationml/2006/main">
+  <p:cSld>
+    <p:spTree>
+      <p:nvGrpSpPr>
+        <p:cNvPr id="1" name=""/>
+        <p:cNvGrpSpPr/>
+        <p:nvPr/>
+      </p:nvGrpSpPr>
+      <p:grpSpPr>
+        <a:xfrm>
+          <a:off x="0" y="0"/>
+          <a:ext cx="0" cy="0"/>
+          <a:chOff x="0" y="0"/>
+          <a:chExt cx="0" cy="0"/>
+        </a:xfrm>
+      </p:grpSpPr>
+      <p:sp>
+        <p:nvSpPr>
+          <p:cNvPr id="2" name="Title 1"/>
+          <p:cNvSpPr>
+            <a:spLocks noGrp="1"/>
+          </p:cNvSpPr>
+          <p:nvPr>
+            <p:ph type="title"/>
+          </p:nvPr>
+        </p:nvSpPr>
+        <p:spPr/>
+        <p:txBody>
+          <a:bodyPr/>
+          <a:lstStyle/>
+          <a:p>
+            <a:r>
+              <a:rPr lang="sl-SI" dirty="0" err="1" smtClean="0"/>
+              <a:t>Feature</a:t>
+            </a:r>
+            <a:r>
+              <a:rPr lang="sl-SI" dirty="0" smtClean="0"/>
+              <a:t> </a:t>
+            </a:r>
+            <a:r>
+              <a:rPr lang="sl-SI" dirty="0" err="1" smtClean="0"/>
+              <a:t>selection</a:t>
+            </a:r>
+            <a:endParaRPr lang="en-GB" dirty="0"/>
+          </a:p>
+        </p:txBody>
+      </p:sp>
+      <p:sp>
+        <p:nvSpPr>
+          <p:cNvPr id="3" name="Content Placeholder 2"/>
+          <p:cNvSpPr>
+            <a:spLocks noGrp="1"/>
+          </p:cNvSpPr>
+          <p:nvPr>
+            <p:ph idx="1"/>
+          </p:nvPr>
+        </p:nvSpPr>
+        <p:spPr/>
+        <p:txBody>
+          <a:bodyPr/>
+          <a:lstStyle/>
+          <a:p>
+            <a:r>
+              <a:rPr lang="sl-SI" dirty="0" err="1" smtClean="0"/>
+              <a:t>Finding</a:t>
+            </a:r>
+            <a:r>
+              <a:rPr lang="sl-SI" dirty="0" smtClean="0"/>
+              <a:t> </a:t>
+            </a:r>
+            <a:r>
+              <a:rPr lang="sl-SI" dirty="0" err="1" smtClean="0"/>
+              <a:t>the</a:t>
+            </a:r>
+            <a:r>
+              <a:rPr lang="sl-SI" dirty="0" smtClean="0"/>
+              <a:t> </a:t>
+            </a:r>
+            <a:r>
+              <a:rPr lang="sl-SI" dirty="0" err="1" smtClean="0"/>
+              <a:t>proper</a:t>
+            </a:r>
+            <a:r>
+              <a:rPr lang="sl-SI" dirty="0" smtClean="0"/>
+              <a:t> </a:t>
+            </a:r>
+            <a:r>
+              <a:rPr lang="sl-SI" dirty="0" err="1" smtClean="0"/>
+              <a:t>variables</a:t>
+            </a:r>
+            <a:endParaRPr lang="sl-SI" dirty="0" smtClean="0"/>
+          </a:p>
+          <a:p>
+            <a:r>
+              <a:rPr lang="sl-SI" dirty="0" err="1" smtClean="0"/>
+              <a:t>Common</a:t>
+            </a:r>
+            <a:r>
+              <a:rPr lang="sl-SI" dirty="0" smtClean="0"/>
+              <a:t> </a:t>
+            </a:r>
+            <a:r>
+              <a:rPr lang="sl-SI" dirty="0" err="1" smtClean="0"/>
+              <a:t>sense</a:t>
+            </a:r>
+            <a:endParaRPr lang="sl-SI" dirty="0" smtClean="0"/>
+          </a:p>
+          <a:p>
+            <a:r>
+              <a:rPr lang="sl-SI" dirty="0" err="1" smtClean="0"/>
+              <a:t>Methods</a:t>
+            </a:r>
+            <a:r>
+              <a:rPr lang="sl-SI" dirty="0" smtClean="0"/>
+              <a:t>:</a:t>
+            </a:r>
+          </a:p>
+          <a:p>
+            <a:pPr lvl="1"/>
+            <a:r>
+              <a:rPr lang="sl-SI" dirty="0" err="1" smtClean="0"/>
+              <a:t>With</a:t>
+            </a:r>
+            <a:r>
+              <a:rPr lang="sl-SI" dirty="0" smtClean="0"/>
+              <a:t> </a:t>
+            </a:r>
+            <a:r>
+              <a:rPr lang="sl-SI" dirty="0" err="1" smtClean="0"/>
+              <a:t>regression</a:t>
+            </a:r>
+            <a:endParaRPr lang="sl-SI" dirty="0" smtClean="0"/>
+          </a:p>
+          <a:p>
+            <a:pPr lvl="1"/>
+            <a:r>
+              <a:rPr lang="sl-SI" dirty="0" err="1" smtClean="0"/>
+              <a:t>With</a:t>
+            </a:r>
+            <a:r>
+              <a:rPr lang="sl-SI" dirty="0" smtClean="0"/>
+              <a:t> </a:t>
+            </a:r>
+            <a:r>
+              <a:rPr lang="sl-SI" dirty="0" err="1" smtClean="0"/>
+              <a:t>random</a:t>
+            </a:r>
+            <a:r>
+              <a:rPr lang="sl-SI" dirty="0" smtClean="0"/>
+              <a:t> </a:t>
+            </a:r>
+            <a:r>
+              <a:rPr lang="sl-SI" dirty="0" err="1" smtClean="0"/>
+              <a:t>forest</a:t>
+            </a:r>
+            <a:endParaRPr lang="sl-SI" dirty="0" smtClean="0"/>
+          </a:p>
+          <a:p>
+            <a:pPr lvl="1"/>
+            <a:r>
+              <a:rPr lang="sl-SI" dirty="0" err="1" smtClean="0"/>
+              <a:t>With</a:t>
+            </a:r>
+            <a:r>
+              <a:rPr lang="sl-SI" dirty="0" smtClean="0"/>
+              <a:t> </a:t>
+            </a:r>
+            <a:r>
+              <a:rPr lang="sl-SI" dirty="0" err="1" smtClean="0"/>
+              <a:t>relative</a:t>
+            </a:r>
+            <a:r>
+              <a:rPr lang="sl-SI" dirty="0" smtClean="0"/>
+              <a:t> </a:t>
+            </a:r>
+            <a:r>
+              <a:rPr lang="sl-SI" dirty="0" err="1" smtClean="0"/>
+              <a:t>importance</a:t>
+            </a:r>
+            <a:endParaRPr lang="sl-SI" dirty="0" smtClean="0"/>
+          </a:p>
+          <a:p>
+            <a:pPr lvl="1"/>
+            <a:r>
+              <a:rPr lang="sl-SI" dirty="0" err="1" smtClean="0"/>
+              <a:t>With</a:t>
+            </a:r>
+            <a:r>
+              <a:rPr lang="sl-SI" dirty="0" smtClean="0"/>
+              <a:t> MARS</a:t>
+            </a:r>
+          </a:p>
+          <a:p>
+            <a:pPr lvl="1"/>
+            <a:r>
+              <a:rPr lang="sl-SI" dirty="0" err="1" smtClean="0"/>
+              <a:t>Information</a:t>
+            </a:r>
+            <a:r>
+              <a:rPr lang="sl-SI" dirty="0" smtClean="0"/>
+              <a:t> </a:t>
+            </a:r>
+            <a:r>
+              <a:rPr lang="sl-SI" dirty="0" err="1" smtClean="0"/>
+              <a:t>value</a:t>
+            </a:r>
+            <a:r>
+              <a:rPr lang="sl-SI" dirty="0" smtClean="0"/>
+              <a:t> </a:t>
+            </a:r>
+            <a:r>
+              <a:rPr lang="sl-SI" dirty="0" err="1" smtClean="0"/>
+              <a:t>and</a:t>
+            </a:r>
+            <a:r>
+              <a:rPr lang="sl-SI" dirty="0" smtClean="0"/>
+              <a:t>  </a:t>
+            </a:r>
+            <a:r>
+              <a:rPr lang="sl-SI" dirty="0" err="1" smtClean="0"/>
+              <a:t>weight</a:t>
+            </a:r>
+            <a:r>
+              <a:rPr lang="sl-SI" dirty="0" smtClean="0"/>
+              <a:t> evidence</a:t>
+            </a:r>
+            <a:endParaRPr lang="sl-SI" dirty="0"/>
+          </a:p>
+          <a:p>
+            <a:endParaRPr lang="sl-SI" dirty="0" smtClean="0"/>
+          </a:p>
+          <a:p>
+            <a:endParaRPr lang="sl-SI" dirty="0" smtClean="0"/>
+          </a:p>
+          <a:p>
+            <a:endParaRPr lang="en-GB" dirty="0"/>
+          </a:p>
+        </p:txBody>
+      </p:sp>
+      <p:sp>
+        <p:nvSpPr>
+          <p:cNvPr id="4" name="Slide Number Placeholder 3"/>
+          <p:cNvSpPr>
+            <a:spLocks noGrp="1"/>
+          </p:cNvSpPr>
+          <p:nvPr>
+            <p:ph type="sldNum" sz="quarter" idx="12"/>
+          </p:nvPr>
+        </p:nvSpPr>
+        <p:spPr/>
+        <p:txBody>
+          <a:bodyPr/>
+          <a:lstStyle/>
+          <a:p>
+            <a:fld id="{D57F1E4F-1CFF-5643-939E-02111984F565}" type="slidenum">
+              <a:rPr lang="en-US" smtClean="0"/>
+              <a:t>9</a:t>
+            </a:fld>
+            <a:endParaRPr lang="en-US" dirty="0"/>
+          </a:p>
+        </p:txBody>
+      </p:sp>
+    </p:spTree>
+    <p:extLst>
+      <p:ext uri="{BB962C8B-B14F-4D97-AF65-F5344CB8AC3E}">
+        <p14:creationId xmlns:p14="http://schemas.microsoft.com/office/powerpoint/2010/main" val="2343593402"/>
       </p:ext>
     </p:extLst>
   </p:cSld>
